--- a/SRS/AD mob.pptx
+++ b/SRS/AD mob.pptx
@@ -47,6 +47,11 @@
     <p:sldId id="303" r:id="rId41"/>
     <p:sldId id="304" r:id="rId42"/>
     <p:sldId id="305" r:id="rId43"/>
+    <p:sldId id="307" r:id="rId44"/>
+    <p:sldId id="308" r:id="rId45"/>
+    <p:sldId id="309" r:id="rId46"/>
+    <p:sldId id="310" r:id="rId47"/>
+    <p:sldId id="311" r:id="rId48"/>
   </p:sldIdLst>
   <p:sldSz cx="6858000" cy="9144000" type="screen4x3"/>
   <p:notesSz cx="6858000" cy="9144000"/>
@@ -329,7 +334,7 @@
           <a:p>
             <a:fld id="{95C32E88-616F-C648-B3FA-694311D876FD}" type="datetimeFigureOut">
               <a:rPr lang="en-US" smtClean="0"/>
-              <a:t>10/18/14 </a:t>
+              <a:t>11/24/14 </a:t>
             </a:fld>
             <a:endParaRPr lang="en-US"/>
           </a:p>
@@ -499,7 +504,7 @@
           <a:p>
             <a:fld id="{95C32E88-616F-C648-B3FA-694311D876FD}" type="datetimeFigureOut">
               <a:rPr lang="en-US" smtClean="0"/>
-              <a:t>10/18/14 </a:t>
+              <a:t>11/24/14 </a:t>
             </a:fld>
             <a:endParaRPr lang="en-US"/>
           </a:p>
@@ -679,7 +684,7 @@
           <a:p>
             <a:fld id="{95C32E88-616F-C648-B3FA-694311D876FD}" type="datetimeFigureOut">
               <a:rPr lang="en-US" smtClean="0"/>
-              <a:t>10/18/14 </a:t>
+              <a:t>11/24/14 </a:t>
             </a:fld>
             <a:endParaRPr lang="en-US"/>
           </a:p>
@@ -849,7 +854,7 @@
           <a:p>
             <a:fld id="{95C32E88-616F-C648-B3FA-694311D876FD}" type="datetimeFigureOut">
               <a:rPr lang="en-US" smtClean="0"/>
-              <a:t>10/18/14 </a:t>
+              <a:t>11/24/14 </a:t>
             </a:fld>
             <a:endParaRPr lang="en-US"/>
           </a:p>
@@ -1095,7 +1100,7 @@
           <a:p>
             <a:fld id="{95C32E88-616F-C648-B3FA-694311D876FD}" type="datetimeFigureOut">
               <a:rPr lang="en-US" smtClean="0"/>
-              <a:t>10/18/14 </a:t>
+              <a:t>11/24/14 </a:t>
             </a:fld>
             <a:endParaRPr lang="en-US"/>
           </a:p>
@@ -1383,7 +1388,7 @@
           <a:p>
             <a:fld id="{95C32E88-616F-C648-B3FA-694311D876FD}" type="datetimeFigureOut">
               <a:rPr lang="en-US" smtClean="0"/>
-              <a:t>10/18/14 </a:t>
+              <a:t>11/24/14 </a:t>
             </a:fld>
             <a:endParaRPr lang="en-US"/>
           </a:p>
@@ -1810,7 +1815,7 @@
           <a:p>
             <a:fld id="{95C32E88-616F-C648-B3FA-694311D876FD}" type="datetimeFigureOut">
               <a:rPr lang="en-US" smtClean="0"/>
-              <a:t>10/18/14 </a:t>
+              <a:t>11/24/14 </a:t>
             </a:fld>
             <a:endParaRPr lang="en-US"/>
           </a:p>
@@ -1928,7 +1933,7 @@
           <a:p>
             <a:fld id="{95C32E88-616F-C648-B3FA-694311D876FD}" type="datetimeFigureOut">
               <a:rPr lang="en-US" smtClean="0"/>
-              <a:t>10/18/14 </a:t>
+              <a:t>11/24/14 </a:t>
             </a:fld>
             <a:endParaRPr lang="en-US"/>
           </a:p>
@@ -2023,7 +2028,7 @@
           <a:p>
             <a:fld id="{95C32E88-616F-C648-B3FA-694311D876FD}" type="datetimeFigureOut">
               <a:rPr lang="en-US" smtClean="0"/>
-              <a:t>10/18/14 </a:t>
+              <a:t>11/24/14 </a:t>
             </a:fld>
             <a:endParaRPr lang="en-US"/>
           </a:p>
@@ -2300,7 +2305,7 @@
           <a:p>
             <a:fld id="{95C32E88-616F-C648-B3FA-694311D876FD}" type="datetimeFigureOut">
               <a:rPr lang="en-US" smtClean="0"/>
-              <a:t>10/18/14 </a:t>
+              <a:t>11/24/14 </a:t>
             </a:fld>
             <a:endParaRPr lang="en-US"/>
           </a:p>
@@ -2553,7 +2558,7 @@
           <a:p>
             <a:fld id="{95C32E88-616F-C648-B3FA-694311D876FD}" type="datetimeFigureOut">
               <a:rPr lang="en-US" smtClean="0"/>
-              <a:t>10/18/14 </a:t>
+              <a:t>11/24/14 </a:t>
             </a:fld>
             <a:endParaRPr lang="en-US"/>
           </a:p>
@@ -2766,7 +2771,7 @@
           <a:p>
             <a:fld id="{95C32E88-616F-C648-B3FA-694311D876FD}" type="datetimeFigureOut">
               <a:rPr lang="en-US" smtClean="0"/>
-              <a:t>10/18/14 </a:t>
+              <a:t>11/24/14 </a:t>
             </a:fld>
             <a:endParaRPr lang="en-US"/>
           </a:p>
@@ -18055,21 +18060,8 @@
                   <a:srgbClr val="000000"/>
                 </a:solidFill>
               </a:rPr>
-              <a:t>System retrieves the location from database.</a:t>
-            </a:r>
-            <a:r>
-              <a:rPr lang="en-US" sz="1400" dirty="0">
-                <a:solidFill>
-                  <a:srgbClr val="000000"/>
-                </a:solidFill>
-              </a:rPr>
-              <a:t> </a:t>
-            </a:r>
-            <a:endParaRPr lang="en-US" sz="1400" dirty="0">
-              <a:solidFill>
-                <a:srgbClr val="000000"/>
-              </a:solidFill>
-            </a:endParaRPr>
+              <a:t>System retrieves the location from database. </a:t>
+            </a:r>
           </a:p>
         </p:txBody>
       </p:sp>
@@ -18963,21 +18955,8 @@
                   <a:srgbClr val="000000"/>
                 </a:solidFill>
               </a:rPr>
-              <a:t>System retrieves the location from database.</a:t>
-            </a:r>
-            <a:r>
-              <a:rPr lang="en-US" sz="1400" dirty="0">
-                <a:solidFill>
-                  <a:srgbClr val="000000"/>
-                </a:solidFill>
-              </a:rPr>
-              <a:t> </a:t>
-            </a:r>
-            <a:endParaRPr lang="en-US" sz="1400" dirty="0">
-              <a:solidFill>
-                <a:srgbClr val="000000"/>
-              </a:solidFill>
-            </a:endParaRPr>
+              <a:t>System retrieves the location from database. </a:t>
+            </a:r>
           </a:p>
         </p:txBody>
       </p:sp>
@@ -23339,7 +23318,7 @@
         <p:spPr>
           <a:xfrm>
             <a:off x="3423038" y="5707147"/>
-            <a:ext cx="3039" cy="383908"/>
+            <a:ext cx="13338" cy="383908"/>
           </a:xfrm>
           <a:prstGeom prst="straightConnector1">
             <a:avLst/>
@@ -23375,8 +23354,8 @@
         </p:nvSpPr>
         <p:spPr>
           <a:xfrm>
-            <a:off x="4964060" y="4623770"/>
-            <a:ext cx="1532039" cy="916020"/>
+            <a:off x="4835278" y="4623770"/>
+            <a:ext cx="1893940" cy="916020"/>
           </a:xfrm>
           <a:prstGeom prst="roundRect">
             <a:avLst/>
@@ -23432,13 +23411,8 @@
                   <a:srgbClr val="000000"/>
                 </a:solidFill>
               </a:rPr>
-              <a:t>information in like table in database. </a:t>
-            </a:r>
-            <a:endParaRPr lang="en-US" sz="1400" dirty="0">
-              <a:solidFill>
-                <a:srgbClr val="000000"/>
-              </a:solidFill>
-            </a:endParaRPr>
+              <a:t>like number by one in popular table in database. </a:t>
+            </a:r>
           </a:p>
         </p:txBody>
       </p:sp>
@@ -23454,7 +23428,7 @@
         <p:spPr>
           <a:xfrm>
             <a:off x="4415543" y="5081780"/>
-            <a:ext cx="548517" cy="0"/>
+            <a:ext cx="419735" cy="0"/>
           </a:xfrm>
           <a:prstGeom prst="straightConnector1">
             <a:avLst/>
@@ -23552,7 +23526,7 @@
         </p:nvCxnSpPr>
         <p:spPr>
           <a:xfrm flipV="1">
-            <a:off x="5730080" y="5539790"/>
+            <a:off x="5782248" y="5539790"/>
             <a:ext cx="0" cy="2841176"/>
           </a:xfrm>
           <a:prstGeom prst="line">
@@ -23591,7 +23565,7 @@
         <p:spPr>
           <a:xfrm flipH="1">
             <a:off x="3731845" y="8380966"/>
-            <a:ext cx="1998235" cy="0"/>
+            <a:ext cx="2050403" cy="0"/>
           </a:xfrm>
           <a:prstGeom prst="straightConnector1">
             <a:avLst/>
@@ -23627,8 +23601,8 @@
         </p:nvSpPr>
         <p:spPr>
           <a:xfrm>
-            <a:off x="2449076" y="6091055"/>
-            <a:ext cx="1954001" cy="631208"/>
+            <a:off x="2381529" y="6091055"/>
+            <a:ext cx="2109694" cy="631208"/>
           </a:xfrm>
           <a:prstGeom prst="roundRect">
             <a:avLst/>
@@ -23668,13 +23642,24 @@
                   <a:srgbClr val="000000"/>
                 </a:solidFill>
               </a:rPr>
-              <a:t>System adds information in like table in database. </a:t>
-            </a:r>
-            <a:endParaRPr lang="en-US" sz="1400" dirty="0">
-              <a:solidFill>
-                <a:srgbClr val="000000"/>
-              </a:solidFill>
-            </a:endParaRPr>
+              <a:t>System </a:t>
+            </a:r>
+            <a:r>
+              <a:rPr lang="en-US" sz="1400" dirty="0" smtClean="0">
+                <a:solidFill>
+                  <a:srgbClr val="000000"/>
+                </a:solidFill>
+              </a:rPr>
+              <a:t>adds like number by one in popular table </a:t>
+            </a:r>
+            <a:r>
+              <a:rPr lang="en-US" sz="1400" dirty="0">
+                <a:solidFill>
+                  <a:srgbClr val="000000"/>
+                </a:solidFill>
+              </a:rPr>
+              <a:t>in database. </a:t>
+            </a:r>
           </a:p>
         </p:txBody>
       </p:sp>
@@ -23747,9 +23732,9 @@
           <p:nvPr/>
         </p:nvCxnSpPr>
         <p:spPr>
-          <a:xfrm>
-            <a:off x="3426077" y="6722263"/>
-            <a:ext cx="8675" cy="332126"/>
+          <a:xfrm flipH="1">
+            <a:off x="3434752" y="6722263"/>
+            <a:ext cx="1624" cy="332126"/>
           </a:xfrm>
           <a:prstGeom prst="straightConnector1">
             <a:avLst/>
@@ -24543,11 +24528,6 @@
               </a:rPr>
               <a:t>.</a:t>
             </a:r>
-            <a:endParaRPr lang="en-US" sz="1400" dirty="0">
-              <a:solidFill>
-                <a:srgbClr val="000000"/>
-              </a:solidFill>
-            </a:endParaRPr>
           </a:p>
         </p:txBody>
       </p:sp>
@@ -28508,10 +28488,42 @@
             <a:r>
               <a:rPr lang="en-US" sz="1400" dirty="0">
                 <a:solidFill>
-                  <a:srgbClr val="000000"/>
+                  <a:schemeClr val="tx1"/>
                 </a:solidFill>
               </a:rPr>
-              <a:t>System retrieves list of communicated people from database.</a:t>
+              <a:t>System </a:t>
+            </a:r>
+            <a:r>
+              <a:rPr lang="en-US" sz="1400" dirty="0" smtClean="0">
+                <a:solidFill>
+                  <a:schemeClr val="tx1"/>
+                </a:solidFill>
+              </a:rPr>
+              <a:t>checks the </a:t>
+            </a:r>
+            <a:r>
+              <a:rPr lang="en-US" sz="1400" dirty="0">
+                <a:solidFill>
+                  <a:schemeClr val="tx1"/>
+                </a:solidFill>
+              </a:rPr>
+              <a:t>people who have already had a conversation with the user </a:t>
+            </a:r>
+            <a:r>
+              <a:rPr lang="en-US" sz="1400" dirty="0" smtClean="0">
+                <a:solidFill>
+                  <a:schemeClr val="tx1"/>
+                </a:solidFill>
+              </a:rPr>
+              <a:t>in </a:t>
+            </a:r>
+            <a:r>
+              <a:rPr lang="en-US" sz="1400" dirty="0">
+                <a:solidFill>
+                  <a:schemeClr val="tx1"/>
+                </a:solidFill>
+              </a:rPr>
+              <a:t>database.</a:t>
             </a:r>
           </a:p>
         </p:txBody>
@@ -33115,6 +33127,3723 @@
     <p:extLst>
       <p:ext uri="{BB962C8B-B14F-4D97-AF65-F5344CB8AC3E}">
         <p14:creationId xmlns:p14="http://schemas.microsoft.com/office/powerpoint/2010/main" val="2937780337"/>
+      </p:ext>
+    </p:extLst>
+  </p:cSld>
+  <p:clrMapOvr>
+    <a:masterClrMapping/>
+  </p:clrMapOvr>
+</p:sld>
+</file>
+
+<file path=ppt/slides/slide43.xml><?xml version="1.0" encoding="utf-8"?>
+<p:sld xmlns:a="http://schemas.openxmlformats.org/drawingml/2006/main" xmlns:r="http://schemas.openxmlformats.org/officeDocument/2006/relationships" xmlns:p="http://schemas.openxmlformats.org/presentationml/2006/main">
+  <p:cSld>
+    <p:spTree>
+      <p:nvGrpSpPr>
+        <p:cNvPr id="1" name=""/>
+        <p:cNvGrpSpPr/>
+        <p:nvPr/>
+      </p:nvGrpSpPr>
+      <p:grpSpPr>
+        <a:xfrm>
+          <a:off x="0" y="0"/>
+          <a:ext cx="0" cy="0"/>
+          <a:chOff x="0" y="0"/>
+          <a:chExt cx="0" cy="0"/>
+        </a:xfrm>
+      </p:grpSpPr>
+      <p:sp>
+        <p:nvSpPr>
+          <p:cNvPr id="5" name="Oval 4"/>
+          <p:cNvSpPr/>
+          <p:nvPr/>
+        </p:nvSpPr>
+        <p:spPr>
+          <a:xfrm>
+            <a:off x="3178757" y="2047424"/>
+            <a:ext cx="481181" cy="481181"/>
+          </a:xfrm>
+          <a:prstGeom prst="ellipse">
+            <a:avLst/>
+          </a:prstGeom>
+          <a:solidFill>
+            <a:schemeClr val="tx1"/>
+          </a:solidFill>
+          <a:ln>
+            <a:noFill/>
+          </a:ln>
+          <a:effectLst/>
+        </p:spPr>
+        <p:style>
+          <a:lnRef idx="1">
+            <a:schemeClr val="accent1"/>
+          </a:lnRef>
+          <a:fillRef idx="3">
+            <a:schemeClr val="accent1"/>
+          </a:fillRef>
+          <a:effectRef idx="2">
+            <a:schemeClr val="accent1"/>
+          </a:effectRef>
+          <a:fontRef idx="minor">
+            <a:schemeClr val="lt1"/>
+          </a:fontRef>
+        </p:style>
+        <p:txBody>
+          <a:bodyPr rtlCol="0" anchor="ctr"/>
+          <a:lstStyle/>
+          <a:p>
+            <a:pPr algn="ctr"/>
+            <a:endParaRPr lang="en-US"/>
+          </a:p>
+        </p:txBody>
+      </p:sp>
+      <p:cxnSp>
+        <p:nvCxnSpPr>
+          <p:cNvPr id="20" name="Straight Arrow Connector 19"/>
+          <p:cNvCxnSpPr>
+            <a:stCxn id="5" idx="4"/>
+            <a:endCxn id="30" idx="0"/>
+          </p:cNvCxnSpPr>
+          <p:nvPr/>
+        </p:nvCxnSpPr>
+        <p:spPr>
+          <a:xfrm flipH="1">
+            <a:off x="3415759" y="2528605"/>
+            <a:ext cx="3589" cy="405801"/>
+          </a:xfrm>
+          <a:prstGeom prst="straightConnector1">
+            <a:avLst/>
+          </a:prstGeom>
+          <a:ln>
+            <a:solidFill>
+              <a:schemeClr val="tx1"/>
+            </a:solidFill>
+            <a:tailEnd type="arrow"/>
+          </a:ln>
+          <a:effectLst/>
+        </p:spPr>
+        <p:style>
+          <a:lnRef idx="2">
+            <a:schemeClr val="accent1"/>
+          </a:lnRef>
+          <a:fillRef idx="0">
+            <a:schemeClr val="accent1"/>
+          </a:fillRef>
+          <a:effectRef idx="1">
+            <a:schemeClr val="accent1"/>
+          </a:effectRef>
+          <a:fontRef idx="minor">
+            <a:schemeClr val="tx1"/>
+          </a:fontRef>
+        </p:style>
+      </p:cxnSp>
+      <p:sp>
+        <p:nvSpPr>
+          <p:cNvPr id="30" name="Rounded Rectangle 29"/>
+          <p:cNvSpPr/>
+          <p:nvPr/>
+        </p:nvSpPr>
+        <p:spPr>
+          <a:xfrm>
+            <a:off x="2502984" y="2934406"/>
+            <a:ext cx="1825550" cy="502435"/>
+          </a:xfrm>
+          <a:prstGeom prst="roundRect">
+            <a:avLst/>
+          </a:prstGeom>
+          <a:solidFill>
+            <a:schemeClr val="bg1"/>
+          </a:solidFill>
+          <a:ln>
+            <a:solidFill>
+              <a:schemeClr val="tx1"/>
+            </a:solidFill>
+          </a:ln>
+          <a:effectLst/>
+        </p:spPr>
+        <p:style>
+          <a:lnRef idx="1">
+            <a:schemeClr val="accent1"/>
+          </a:lnRef>
+          <a:fillRef idx="3">
+            <a:schemeClr val="accent1"/>
+          </a:fillRef>
+          <a:effectRef idx="2">
+            <a:schemeClr val="accent1"/>
+          </a:effectRef>
+          <a:fontRef idx="minor">
+            <a:schemeClr val="lt1"/>
+          </a:fontRef>
+        </p:style>
+        <p:txBody>
+          <a:bodyPr rtlCol="0" anchor="ctr"/>
+          <a:lstStyle/>
+          <a:p>
+            <a:pPr algn="ctr"/>
+            <a:r>
+              <a:rPr lang="en-US" sz="1400" dirty="0" smtClean="0">
+                <a:solidFill>
+                  <a:schemeClr val="tx1"/>
+                </a:solidFill>
+              </a:rPr>
+              <a:t>Go to private message page</a:t>
+            </a:r>
+            <a:endParaRPr lang="en-US" sz="1400" dirty="0">
+              <a:solidFill>
+                <a:schemeClr val="tx1"/>
+              </a:solidFill>
+            </a:endParaRPr>
+          </a:p>
+        </p:txBody>
+      </p:sp>
+      <p:sp>
+        <p:nvSpPr>
+          <p:cNvPr id="67" name="Oval 66"/>
+          <p:cNvSpPr/>
+          <p:nvPr/>
+        </p:nvSpPr>
+        <p:spPr>
+          <a:xfrm>
+            <a:off x="3127467" y="6887569"/>
+            <a:ext cx="590939" cy="590939"/>
+          </a:xfrm>
+          <a:prstGeom prst="ellipse">
+            <a:avLst/>
+          </a:prstGeom>
+          <a:solidFill>
+            <a:schemeClr val="bg1"/>
+          </a:solidFill>
+          <a:ln>
+            <a:solidFill>
+              <a:schemeClr val="tx1"/>
+            </a:solidFill>
+          </a:ln>
+          <a:effectLst/>
+        </p:spPr>
+        <p:style>
+          <a:lnRef idx="1">
+            <a:schemeClr val="accent1"/>
+          </a:lnRef>
+          <a:fillRef idx="3">
+            <a:schemeClr val="accent1"/>
+          </a:fillRef>
+          <a:effectRef idx="2">
+            <a:schemeClr val="accent1"/>
+          </a:effectRef>
+          <a:fontRef idx="minor">
+            <a:schemeClr val="lt1"/>
+          </a:fontRef>
+        </p:style>
+        <p:txBody>
+          <a:bodyPr rtlCol="0" anchor="ctr"/>
+          <a:lstStyle/>
+          <a:p>
+            <a:pPr algn="ctr"/>
+            <a:endParaRPr lang="en-US"/>
+          </a:p>
+        </p:txBody>
+      </p:sp>
+      <p:sp>
+        <p:nvSpPr>
+          <p:cNvPr id="68" name="Oval 67"/>
+          <p:cNvSpPr/>
+          <p:nvPr/>
+        </p:nvSpPr>
+        <p:spPr>
+          <a:xfrm>
+            <a:off x="3261261" y="7014718"/>
+            <a:ext cx="315402" cy="315402"/>
+          </a:xfrm>
+          <a:prstGeom prst="ellipse">
+            <a:avLst/>
+          </a:prstGeom>
+          <a:solidFill>
+            <a:schemeClr val="tx1"/>
+          </a:solidFill>
+          <a:ln>
+            <a:noFill/>
+          </a:ln>
+          <a:effectLst/>
+        </p:spPr>
+        <p:style>
+          <a:lnRef idx="1">
+            <a:schemeClr val="accent1"/>
+          </a:lnRef>
+          <a:fillRef idx="3">
+            <a:schemeClr val="accent1"/>
+          </a:fillRef>
+          <a:effectRef idx="2">
+            <a:schemeClr val="accent1"/>
+          </a:effectRef>
+          <a:fontRef idx="minor">
+            <a:schemeClr val="lt1"/>
+          </a:fontRef>
+        </p:style>
+        <p:txBody>
+          <a:bodyPr rtlCol="0" anchor="ctr"/>
+          <a:lstStyle/>
+          <a:p>
+            <a:pPr algn="ctr"/>
+            <a:endParaRPr lang="en-US"/>
+          </a:p>
+        </p:txBody>
+      </p:sp>
+      <p:sp>
+        <p:nvSpPr>
+          <p:cNvPr id="69" name="Rounded Rectangle 68"/>
+          <p:cNvSpPr/>
+          <p:nvPr/>
+        </p:nvSpPr>
+        <p:spPr>
+          <a:xfrm>
+            <a:off x="1741448" y="5414259"/>
+            <a:ext cx="3355800" cy="962472"/>
+          </a:xfrm>
+          <a:prstGeom prst="roundRect">
+            <a:avLst/>
+          </a:prstGeom>
+          <a:solidFill>
+            <a:schemeClr val="bg1"/>
+          </a:solidFill>
+          <a:ln>
+            <a:solidFill>
+              <a:schemeClr val="tx1"/>
+            </a:solidFill>
+          </a:ln>
+          <a:effectLst/>
+        </p:spPr>
+        <p:style>
+          <a:lnRef idx="1">
+            <a:schemeClr val="accent1"/>
+          </a:lnRef>
+          <a:fillRef idx="3">
+            <a:schemeClr val="accent1"/>
+          </a:fillRef>
+          <a:effectRef idx="2">
+            <a:schemeClr val="accent1"/>
+          </a:effectRef>
+          <a:fontRef idx="minor">
+            <a:schemeClr val="lt1"/>
+          </a:fontRef>
+        </p:style>
+        <p:txBody>
+          <a:bodyPr rtlCol="0" anchor="ctr"/>
+          <a:lstStyle/>
+          <a:p>
+            <a:pPr algn="ctr"/>
+            <a:r>
+              <a:rPr lang="en-US" sz="1400" dirty="0" smtClean="0">
+                <a:solidFill>
+                  <a:schemeClr val="tx1"/>
+                </a:solidFill>
+              </a:rPr>
+              <a:t>Display list of shopkeepers that the blogger has been communicating with</a:t>
+            </a:r>
+            <a:endParaRPr lang="en-US" sz="1400" dirty="0">
+              <a:solidFill>
+                <a:schemeClr val="tx1"/>
+              </a:solidFill>
+            </a:endParaRPr>
+          </a:p>
+        </p:txBody>
+      </p:sp>
+      <p:cxnSp>
+        <p:nvCxnSpPr>
+          <p:cNvPr id="70" name="Straight Arrow Connector 69"/>
+          <p:cNvCxnSpPr>
+            <a:stCxn id="30" idx="2"/>
+            <a:endCxn id="12" idx="0"/>
+          </p:cNvCxnSpPr>
+          <p:nvPr/>
+        </p:nvCxnSpPr>
+        <p:spPr>
+          <a:xfrm>
+            <a:off x="3415759" y="3436841"/>
+            <a:ext cx="0" cy="457203"/>
+          </a:xfrm>
+          <a:prstGeom prst="straightConnector1">
+            <a:avLst/>
+          </a:prstGeom>
+          <a:ln>
+            <a:solidFill>
+              <a:schemeClr val="tx1"/>
+            </a:solidFill>
+            <a:tailEnd type="arrow"/>
+          </a:ln>
+          <a:effectLst/>
+        </p:spPr>
+        <p:style>
+          <a:lnRef idx="2">
+            <a:schemeClr val="accent1"/>
+          </a:lnRef>
+          <a:fillRef idx="0">
+            <a:schemeClr val="accent1"/>
+          </a:fillRef>
+          <a:effectRef idx="1">
+            <a:schemeClr val="accent1"/>
+          </a:effectRef>
+          <a:fontRef idx="minor">
+            <a:schemeClr val="tx1"/>
+          </a:fontRef>
+        </p:style>
+      </p:cxnSp>
+      <p:cxnSp>
+        <p:nvCxnSpPr>
+          <p:cNvPr id="35" name="Straight Arrow Connector 34"/>
+          <p:cNvCxnSpPr>
+            <a:stCxn id="69" idx="2"/>
+            <a:endCxn id="67" idx="0"/>
+          </p:cNvCxnSpPr>
+          <p:nvPr/>
+        </p:nvCxnSpPr>
+        <p:spPr>
+          <a:xfrm>
+            <a:off x="3419348" y="6376731"/>
+            <a:ext cx="3589" cy="510838"/>
+          </a:xfrm>
+          <a:prstGeom prst="straightConnector1">
+            <a:avLst/>
+          </a:prstGeom>
+          <a:ln>
+            <a:solidFill>
+              <a:schemeClr val="tx1"/>
+            </a:solidFill>
+            <a:tailEnd type="arrow"/>
+          </a:ln>
+          <a:effectLst/>
+        </p:spPr>
+        <p:style>
+          <a:lnRef idx="2">
+            <a:schemeClr val="accent1"/>
+          </a:lnRef>
+          <a:fillRef idx="0">
+            <a:schemeClr val="accent1"/>
+          </a:fillRef>
+          <a:effectRef idx="1">
+            <a:schemeClr val="accent1"/>
+          </a:effectRef>
+          <a:fontRef idx="minor">
+            <a:schemeClr val="tx1"/>
+          </a:fontRef>
+        </p:style>
+      </p:cxnSp>
+      <p:sp>
+        <p:nvSpPr>
+          <p:cNvPr id="12" name="Rounded Rectangle 11"/>
+          <p:cNvSpPr/>
+          <p:nvPr/>
+        </p:nvSpPr>
+        <p:spPr>
+          <a:xfrm>
+            <a:off x="2364412" y="3894044"/>
+            <a:ext cx="2102693" cy="1002692"/>
+          </a:xfrm>
+          <a:prstGeom prst="roundRect">
+            <a:avLst/>
+          </a:prstGeom>
+          <a:solidFill>
+            <a:schemeClr val="bg1"/>
+          </a:solidFill>
+          <a:ln>
+            <a:solidFill>
+              <a:schemeClr val="tx1"/>
+            </a:solidFill>
+          </a:ln>
+          <a:effectLst/>
+        </p:spPr>
+        <p:style>
+          <a:lnRef idx="1">
+            <a:schemeClr val="accent1"/>
+          </a:lnRef>
+          <a:fillRef idx="3">
+            <a:schemeClr val="accent1"/>
+          </a:fillRef>
+          <a:effectRef idx="2">
+            <a:schemeClr val="accent1"/>
+          </a:effectRef>
+          <a:fontRef idx="minor">
+            <a:schemeClr val="lt1"/>
+          </a:fontRef>
+        </p:style>
+        <p:txBody>
+          <a:bodyPr rtlCol="0" anchor="ctr"/>
+          <a:lstStyle/>
+          <a:p>
+            <a:pPr lvl="0" algn="ctr"/>
+            <a:r>
+              <a:rPr lang="en-US" sz="1400" dirty="0">
+                <a:solidFill>
+                  <a:schemeClr val="tx1"/>
+                </a:solidFill>
+              </a:rPr>
+              <a:t>System </a:t>
+            </a:r>
+            <a:r>
+              <a:rPr lang="en-US" sz="1400" dirty="0" smtClean="0">
+                <a:solidFill>
+                  <a:schemeClr val="tx1"/>
+                </a:solidFill>
+              </a:rPr>
+              <a:t>checks the </a:t>
+            </a:r>
+            <a:r>
+              <a:rPr lang="en-US" sz="1400" dirty="0">
+                <a:solidFill>
+                  <a:schemeClr val="tx1"/>
+                </a:solidFill>
+              </a:rPr>
+              <a:t>people who have already had a conversation with the user </a:t>
+            </a:r>
+            <a:r>
+              <a:rPr lang="en-US" sz="1400" dirty="0" smtClean="0">
+                <a:solidFill>
+                  <a:schemeClr val="tx1"/>
+                </a:solidFill>
+              </a:rPr>
+              <a:t>in </a:t>
+            </a:r>
+            <a:r>
+              <a:rPr lang="en-US" sz="1400" dirty="0">
+                <a:solidFill>
+                  <a:schemeClr val="tx1"/>
+                </a:solidFill>
+              </a:rPr>
+              <a:t>database.</a:t>
+            </a:r>
+          </a:p>
+        </p:txBody>
+      </p:sp>
+      <p:cxnSp>
+        <p:nvCxnSpPr>
+          <p:cNvPr id="14" name="Straight Arrow Connector 13"/>
+          <p:cNvCxnSpPr>
+            <a:stCxn id="12" idx="2"/>
+            <a:endCxn id="69" idx="0"/>
+          </p:cNvCxnSpPr>
+          <p:nvPr/>
+        </p:nvCxnSpPr>
+        <p:spPr>
+          <a:xfrm>
+            <a:off x="3415759" y="4896736"/>
+            <a:ext cx="3589" cy="517523"/>
+          </a:xfrm>
+          <a:prstGeom prst="straightConnector1">
+            <a:avLst/>
+          </a:prstGeom>
+          <a:ln>
+            <a:solidFill>
+              <a:schemeClr val="tx1"/>
+            </a:solidFill>
+            <a:tailEnd type="arrow"/>
+          </a:ln>
+          <a:effectLst/>
+        </p:spPr>
+        <p:style>
+          <a:lnRef idx="2">
+            <a:schemeClr val="accent1"/>
+          </a:lnRef>
+          <a:fillRef idx="0">
+            <a:schemeClr val="accent1"/>
+          </a:fillRef>
+          <a:effectRef idx="1">
+            <a:schemeClr val="accent1"/>
+          </a:effectRef>
+          <a:fontRef idx="minor">
+            <a:schemeClr val="tx1"/>
+          </a:fontRef>
+        </p:style>
+      </p:cxnSp>
+    </p:spTree>
+    <p:extLst>
+      <p:ext uri="{BB962C8B-B14F-4D97-AF65-F5344CB8AC3E}">
+        <p14:creationId xmlns:p14="http://schemas.microsoft.com/office/powerpoint/2010/main" val="1014301504"/>
+      </p:ext>
+    </p:extLst>
+  </p:cSld>
+  <p:clrMapOvr>
+    <a:masterClrMapping/>
+  </p:clrMapOvr>
+</p:sld>
+</file>
+
+<file path=ppt/slides/slide44.xml><?xml version="1.0" encoding="utf-8"?>
+<p:sld xmlns:a="http://schemas.openxmlformats.org/drawingml/2006/main" xmlns:r="http://schemas.openxmlformats.org/officeDocument/2006/relationships" xmlns:p="http://schemas.openxmlformats.org/presentationml/2006/main">
+  <p:cSld>
+    <p:spTree>
+      <p:nvGrpSpPr>
+        <p:cNvPr id="1" name=""/>
+        <p:cNvGrpSpPr/>
+        <p:nvPr/>
+      </p:nvGrpSpPr>
+      <p:grpSpPr>
+        <a:xfrm>
+          <a:off x="0" y="0"/>
+          <a:ext cx="0" cy="0"/>
+          <a:chOff x="0" y="0"/>
+          <a:chExt cx="0" cy="0"/>
+        </a:xfrm>
+      </p:grpSpPr>
+      <p:sp>
+        <p:nvSpPr>
+          <p:cNvPr id="5" name="Oval 4"/>
+          <p:cNvSpPr/>
+          <p:nvPr/>
+        </p:nvSpPr>
+        <p:spPr>
+          <a:xfrm>
+            <a:off x="3172351" y="1217128"/>
+            <a:ext cx="481181" cy="481181"/>
+          </a:xfrm>
+          <a:prstGeom prst="ellipse">
+            <a:avLst/>
+          </a:prstGeom>
+          <a:solidFill>
+            <a:schemeClr val="tx1"/>
+          </a:solidFill>
+          <a:ln>
+            <a:noFill/>
+          </a:ln>
+          <a:effectLst/>
+        </p:spPr>
+        <p:style>
+          <a:lnRef idx="1">
+            <a:schemeClr val="accent1"/>
+          </a:lnRef>
+          <a:fillRef idx="3">
+            <a:schemeClr val="accent1"/>
+          </a:fillRef>
+          <a:effectRef idx="2">
+            <a:schemeClr val="accent1"/>
+          </a:effectRef>
+          <a:fontRef idx="minor">
+            <a:schemeClr val="lt1"/>
+          </a:fontRef>
+        </p:style>
+        <p:txBody>
+          <a:bodyPr rtlCol="0" anchor="ctr"/>
+          <a:lstStyle/>
+          <a:p>
+            <a:pPr algn="ctr"/>
+            <a:endParaRPr lang="en-US"/>
+          </a:p>
+        </p:txBody>
+      </p:sp>
+      <p:cxnSp>
+        <p:nvCxnSpPr>
+          <p:cNvPr id="20" name="Straight Arrow Connector 19"/>
+          <p:cNvCxnSpPr>
+            <a:stCxn id="5" idx="4"/>
+            <a:endCxn id="15" idx="0"/>
+          </p:cNvCxnSpPr>
+          <p:nvPr/>
+        </p:nvCxnSpPr>
+        <p:spPr>
+          <a:xfrm>
+            <a:off x="3412942" y="1698309"/>
+            <a:ext cx="12686" cy="422357"/>
+          </a:xfrm>
+          <a:prstGeom prst="straightConnector1">
+            <a:avLst/>
+          </a:prstGeom>
+          <a:ln>
+            <a:solidFill>
+              <a:schemeClr val="tx1"/>
+            </a:solidFill>
+            <a:tailEnd type="arrow"/>
+          </a:ln>
+          <a:effectLst/>
+        </p:spPr>
+        <p:style>
+          <a:lnRef idx="2">
+            <a:schemeClr val="accent1"/>
+          </a:lnRef>
+          <a:fillRef idx="0">
+            <a:schemeClr val="accent1"/>
+          </a:fillRef>
+          <a:effectRef idx="1">
+            <a:schemeClr val="accent1"/>
+          </a:effectRef>
+          <a:fontRef idx="minor">
+            <a:schemeClr val="tx1"/>
+          </a:fontRef>
+        </p:style>
+      </p:cxnSp>
+      <p:sp>
+        <p:nvSpPr>
+          <p:cNvPr id="30" name="Rounded Rectangle 29"/>
+          <p:cNvSpPr/>
+          <p:nvPr/>
+        </p:nvSpPr>
+        <p:spPr>
+          <a:xfrm>
+            <a:off x="2107833" y="3286526"/>
+            <a:ext cx="2653265" cy="923163"/>
+          </a:xfrm>
+          <a:prstGeom prst="roundRect">
+            <a:avLst/>
+          </a:prstGeom>
+          <a:solidFill>
+            <a:schemeClr val="bg1"/>
+          </a:solidFill>
+          <a:ln>
+            <a:solidFill>
+              <a:schemeClr val="tx1"/>
+            </a:solidFill>
+          </a:ln>
+          <a:effectLst/>
+        </p:spPr>
+        <p:style>
+          <a:lnRef idx="1">
+            <a:schemeClr val="accent1"/>
+          </a:lnRef>
+          <a:fillRef idx="3">
+            <a:schemeClr val="accent1"/>
+          </a:fillRef>
+          <a:effectRef idx="2">
+            <a:schemeClr val="accent1"/>
+          </a:effectRef>
+          <a:fontRef idx="minor">
+            <a:schemeClr val="lt1"/>
+          </a:fontRef>
+        </p:style>
+        <p:txBody>
+          <a:bodyPr rtlCol="0" anchor="ctr"/>
+          <a:lstStyle/>
+          <a:p>
+            <a:pPr algn="ctr"/>
+            <a:r>
+              <a:rPr lang="en-US" sz="1400" dirty="0" smtClean="0">
+                <a:solidFill>
+                  <a:schemeClr val="tx1"/>
+                </a:solidFill>
+              </a:rPr>
+              <a:t>System goes to the conversation between the user and shopkeeper/blogger page</a:t>
+            </a:r>
+            <a:endParaRPr lang="en-US" sz="1400" dirty="0">
+              <a:solidFill>
+                <a:schemeClr val="tx1"/>
+              </a:solidFill>
+            </a:endParaRPr>
+          </a:p>
+        </p:txBody>
+      </p:sp>
+      <p:sp>
+        <p:nvSpPr>
+          <p:cNvPr id="67" name="Oval 66"/>
+          <p:cNvSpPr/>
+          <p:nvPr/>
+        </p:nvSpPr>
+        <p:spPr>
+          <a:xfrm>
+            <a:off x="3151682" y="7470000"/>
+            <a:ext cx="590939" cy="590939"/>
+          </a:xfrm>
+          <a:prstGeom prst="ellipse">
+            <a:avLst/>
+          </a:prstGeom>
+          <a:solidFill>
+            <a:schemeClr val="bg1"/>
+          </a:solidFill>
+          <a:ln>
+            <a:solidFill>
+              <a:schemeClr val="tx1"/>
+            </a:solidFill>
+          </a:ln>
+          <a:effectLst/>
+        </p:spPr>
+        <p:style>
+          <a:lnRef idx="1">
+            <a:schemeClr val="accent1"/>
+          </a:lnRef>
+          <a:fillRef idx="3">
+            <a:schemeClr val="accent1"/>
+          </a:fillRef>
+          <a:effectRef idx="2">
+            <a:schemeClr val="accent1"/>
+          </a:effectRef>
+          <a:fontRef idx="minor">
+            <a:schemeClr val="lt1"/>
+          </a:fontRef>
+        </p:style>
+        <p:txBody>
+          <a:bodyPr rtlCol="0" anchor="ctr"/>
+          <a:lstStyle/>
+          <a:p>
+            <a:pPr algn="ctr"/>
+            <a:endParaRPr lang="en-US"/>
+          </a:p>
+        </p:txBody>
+      </p:sp>
+      <p:sp>
+        <p:nvSpPr>
+          <p:cNvPr id="68" name="Oval 67"/>
+          <p:cNvSpPr/>
+          <p:nvPr/>
+        </p:nvSpPr>
+        <p:spPr>
+          <a:xfrm>
+            <a:off x="3285476" y="7597149"/>
+            <a:ext cx="315402" cy="315402"/>
+          </a:xfrm>
+          <a:prstGeom prst="ellipse">
+            <a:avLst/>
+          </a:prstGeom>
+          <a:solidFill>
+            <a:schemeClr val="tx1"/>
+          </a:solidFill>
+          <a:ln>
+            <a:noFill/>
+          </a:ln>
+          <a:effectLst/>
+        </p:spPr>
+        <p:style>
+          <a:lnRef idx="1">
+            <a:schemeClr val="accent1"/>
+          </a:lnRef>
+          <a:fillRef idx="3">
+            <a:schemeClr val="accent1"/>
+          </a:fillRef>
+          <a:effectRef idx="2">
+            <a:schemeClr val="accent1"/>
+          </a:effectRef>
+          <a:fontRef idx="minor">
+            <a:schemeClr val="lt1"/>
+          </a:fontRef>
+        </p:style>
+        <p:txBody>
+          <a:bodyPr rtlCol="0" anchor="ctr"/>
+          <a:lstStyle/>
+          <a:p>
+            <a:pPr algn="ctr"/>
+            <a:endParaRPr lang="en-US"/>
+          </a:p>
+        </p:txBody>
+      </p:sp>
+      <p:sp>
+        <p:nvSpPr>
+          <p:cNvPr id="69" name="Rounded Rectangle 68"/>
+          <p:cNvSpPr/>
+          <p:nvPr/>
+        </p:nvSpPr>
+        <p:spPr>
+          <a:xfrm>
+            <a:off x="2079590" y="6130382"/>
+            <a:ext cx="2735124" cy="962472"/>
+          </a:xfrm>
+          <a:prstGeom prst="roundRect">
+            <a:avLst/>
+          </a:prstGeom>
+          <a:solidFill>
+            <a:schemeClr val="bg1"/>
+          </a:solidFill>
+          <a:ln>
+            <a:solidFill>
+              <a:schemeClr val="tx1"/>
+            </a:solidFill>
+          </a:ln>
+          <a:effectLst/>
+        </p:spPr>
+        <p:style>
+          <a:lnRef idx="1">
+            <a:schemeClr val="accent1"/>
+          </a:lnRef>
+          <a:fillRef idx="3">
+            <a:schemeClr val="accent1"/>
+          </a:fillRef>
+          <a:effectRef idx="2">
+            <a:schemeClr val="accent1"/>
+          </a:effectRef>
+          <a:fontRef idx="minor">
+            <a:schemeClr val="lt1"/>
+          </a:fontRef>
+        </p:style>
+        <p:txBody>
+          <a:bodyPr rtlCol="0" anchor="ctr"/>
+          <a:lstStyle/>
+          <a:p>
+            <a:pPr algn="ctr"/>
+            <a:r>
+              <a:rPr lang="en-US" sz="1400" dirty="0" smtClean="0">
+                <a:solidFill>
+                  <a:schemeClr val="tx1"/>
+                </a:solidFill>
+              </a:rPr>
+              <a:t>Display the messages received from the shopkeeper/blogger according to time</a:t>
+            </a:r>
+            <a:endParaRPr lang="en-US" sz="1400" dirty="0">
+              <a:solidFill>
+                <a:schemeClr val="tx1"/>
+              </a:solidFill>
+            </a:endParaRPr>
+          </a:p>
+        </p:txBody>
+      </p:sp>
+      <p:cxnSp>
+        <p:nvCxnSpPr>
+          <p:cNvPr id="70" name="Straight Arrow Connector 69"/>
+          <p:cNvCxnSpPr>
+            <a:stCxn id="30" idx="2"/>
+            <a:endCxn id="12" idx="0"/>
+          </p:cNvCxnSpPr>
+          <p:nvPr/>
+        </p:nvCxnSpPr>
+        <p:spPr>
+          <a:xfrm>
+            <a:off x="3434466" y="4209689"/>
+            <a:ext cx="12686" cy="494214"/>
+          </a:xfrm>
+          <a:prstGeom prst="straightConnector1">
+            <a:avLst/>
+          </a:prstGeom>
+          <a:ln>
+            <a:solidFill>
+              <a:schemeClr val="tx1"/>
+            </a:solidFill>
+            <a:tailEnd type="arrow"/>
+          </a:ln>
+          <a:effectLst/>
+        </p:spPr>
+        <p:style>
+          <a:lnRef idx="2">
+            <a:schemeClr val="accent1"/>
+          </a:lnRef>
+          <a:fillRef idx="0">
+            <a:schemeClr val="accent1"/>
+          </a:fillRef>
+          <a:effectRef idx="1">
+            <a:schemeClr val="accent1"/>
+          </a:effectRef>
+          <a:fontRef idx="minor">
+            <a:schemeClr val="tx1"/>
+          </a:fontRef>
+        </p:style>
+      </p:cxnSp>
+      <p:cxnSp>
+        <p:nvCxnSpPr>
+          <p:cNvPr id="35" name="Straight Arrow Connector 34"/>
+          <p:cNvCxnSpPr>
+            <a:stCxn id="69" idx="2"/>
+            <a:endCxn id="67" idx="0"/>
+          </p:cNvCxnSpPr>
+          <p:nvPr/>
+        </p:nvCxnSpPr>
+        <p:spPr>
+          <a:xfrm>
+            <a:off x="3447152" y="7092854"/>
+            <a:ext cx="0" cy="377146"/>
+          </a:xfrm>
+          <a:prstGeom prst="straightConnector1">
+            <a:avLst/>
+          </a:prstGeom>
+          <a:ln>
+            <a:solidFill>
+              <a:schemeClr val="tx1"/>
+            </a:solidFill>
+            <a:tailEnd type="arrow"/>
+          </a:ln>
+          <a:effectLst/>
+        </p:spPr>
+        <p:style>
+          <a:lnRef idx="2">
+            <a:schemeClr val="accent1"/>
+          </a:lnRef>
+          <a:fillRef idx="0">
+            <a:schemeClr val="accent1"/>
+          </a:fillRef>
+          <a:effectRef idx="1">
+            <a:schemeClr val="accent1"/>
+          </a:effectRef>
+          <a:fontRef idx="minor">
+            <a:schemeClr val="tx1"/>
+          </a:fontRef>
+        </p:style>
+      </p:cxnSp>
+      <p:sp>
+        <p:nvSpPr>
+          <p:cNvPr id="12" name="Rounded Rectangle 11"/>
+          <p:cNvSpPr/>
+          <p:nvPr/>
+        </p:nvSpPr>
+        <p:spPr>
+          <a:xfrm>
+            <a:off x="2336245" y="4703903"/>
+            <a:ext cx="2221814" cy="962472"/>
+          </a:xfrm>
+          <a:prstGeom prst="roundRect">
+            <a:avLst/>
+          </a:prstGeom>
+          <a:solidFill>
+            <a:schemeClr val="bg1"/>
+          </a:solidFill>
+          <a:ln>
+            <a:solidFill>
+              <a:schemeClr val="tx1"/>
+            </a:solidFill>
+          </a:ln>
+          <a:effectLst/>
+        </p:spPr>
+        <p:style>
+          <a:lnRef idx="1">
+            <a:schemeClr val="accent1"/>
+          </a:lnRef>
+          <a:fillRef idx="3">
+            <a:schemeClr val="accent1"/>
+          </a:fillRef>
+          <a:effectRef idx="2">
+            <a:schemeClr val="accent1"/>
+          </a:effectRef>
+          <a:fontRef idx="minor">
+            <a:schemeClr val="lt1"/>
+          </a:fontRef>
+        </p:style>
+        <p:txBody>
+          <a:bodyPr rtlCol="0" anchor="ctr"/>
+          <a:lstStyle/>
+          <a:p>
+            <a:pPr lvl="0" algn="ctr"/>
+            <a:r>
+              <a:rPr lang="en-US" sz="1400" dirty="0">
+                <a:solidFill>
+                  <a:srgbClr val="000000"/>
+                </a:solidFill>
+              </a:rPr>
+              <a:t>System retrieves messages from database.</a:t>
+            </a:r>
+          </a:p>
+        </p:txBody>
+      </p:sp>
+      <p:cxnSp>
+        <p:nvCxnSpPr>
+          <p:cNvPr id="14" name="Straight Arrow Connector 13"/>
+          <p:cNvCxnSpPr>
+            <a:stCxn id="12" idx="2"/>
+            <a:endCxn id="69" idx="0"/>
+          </p:cNvCxnSpPr>
+          <p:nvPr/>
+        </p:nvCxnSpPr>
+        <p:spPr>
+          <a:xfrm>
+            <a:off x="3447152" y="5666375"/>
+            <a:ext cx="0" cy="464007"/>
+          </a:xfrm>
+          <a:prstGeom prst="straightConnector1">
+            <a:avLst/>
+          </a:prstGeom>
+          <a:ln>
+            <a:solidFill>
+              <a:schemeClr val="tx1"/>
+            </a:solidFill>
+            <a:tailEnd type="arrow"/>
+          </a:ln>
+          <a:effectLst/>
+        </p:spPr>
+        <p:style>
+          <a:lnRef idx="2">
+            <a:schemeClr val="accent1"/>
+          </a:lnRef>
+          <a:fillRef idx="0">
+            <a:schemeClr val="accent1"/>
+          </a:fillRef>
+          <a:effectRef idx="1">
+            <a:schemeClr val="accent1"/>
+          </a:effectRef>
+          <a:fontRef idx="minor">
+            <a:schemeClr val="tx1"/>
+          </a:fontRef>
+        </p:style>
+      </p:cxnSp>
+      <p:sp>
+        <p:nvSpPr>
+          <p:cNvPr id="15" name="Rounded Rectangle 14"/>
+          <p:cNvSpPr/>
+          <p:nvPr/>
+        </p:nvSpPr>
+        <p:spPr>
+          <a:xfrm>
+            <a:off x="2314721" y="2120666"/>
+            <a:ext cx="2221814" cy="610959"/>
+          </a:xfrm>
+          <a:prstGeom prst="roundRect">
+            <a:avLst/>
+          </a:prstGeom>
+          <a:solidFill>
+            <a:schemeClr val="bg1"/>
+          </a:solidFill>
+          <a:ln>
+            <a:solidFill>
+              <a:schemeClr val="tx1"/>
+            </a:solidFill>
+          </a:ln>
+          <a:effectLst/>
+        </p:spPr>
+        <p:style>
+          <a:lnRef idx="1">
+            <a:schemeClr val="accent1"/>
+          </a:lnRef>
+          <a:fillRef idx="3">
+            <a:schemeClr val="accent1"/>
+          </a:fillRef>
+          <a:effectRef idx="2">
+            <a:schemeClr val="accent1"/>
+          </a:effectRef>
+          <a:fontRef idx="minor">
+            <a:schemeClr val="lt1"/>
+          </a:fontRef>
+        </p:style>
+        <p:txBody>
+          <a:bodyPr rtlCol="0" anchor="ctr"/>
+          <a:lstStyle/>
+          <a:p>
+            <a:pPr lvl="0" algn="ctr"/>
+            <a:r>
+              <a:rPr lang="en-US" sz="1400" dirty="0" smtClean="0">
+                <a:solidFill>
+                  <a:srgbClr val="000000"/>
+                </a:solidFill>
+              </a:rPr>
+              <a:t>Select a conversation</a:t>
+            </a:r>
+            <a:endParaRPr lang="en-US" sz="1400" dirty="0">
+              <a:solidFill>
+                <a:srgbClr val="000000"/>
+              </a:solidFill>
+            </a:endParaRPr>
+          </a:p>
+        </p:txBody>
+      </p:sp>
+      <p:cxnSp>
+        <p:nvCxnSpPr>
+          <p:cNvPr id="17" name="Straight Arrow Connector 16"/>
+          <p:cNvCxnSpPr>
+            <a:stCxn id="15" idx="2"/>
+            <a:endCxn id="30" idx="0"/>
+          </p:cNvCxnSpPr>
+          <p:nvPr/>
+        </p:nvCxnSpPr>
+        <p:spPr>
+          <a:xfrm>
+            <a:off x="3425628" y="2731625"/>
+            <a:ext cx="8838" cy="554901"/>
+          </a:xfrm>
+          <a:prstGeom prst="straightConnector1">
+            <a:avLst/>
+          </a:prstGeom>
+          <a:ln>
+            <a:solidFill>
+              <a:schemeClr val="tx1"/>
+            </a:solidFill>
+            <a:tailEnd type="arrow"/>
+          </a:ln>
+          <a:effectLst/>
+        </p:spPr>
+        <p:style>
+          <a:lnRef idx="2">
+            <a:schemeClr val="accent1"/>
+          </a:lnRef>
+          <a:fillRef idx="0">
+            <a:schemeClr val="accent1"/>
+          </a:fillRef>
+          <a:effectRef idx="1">
+            <a:schemeClr val="accent1"/>
+          </a:effectRef>
+          <a:fontRef idx="minor">
+            <a:schemeClr val="tx1"/>
+          </a:fontRef>
+        </p:style>
+      </p:cxnSp>
+    </p:spTree>
+    <p:extLst>
+      <p:ext uri="{BB962C8B-B14F-4D97-AF65-F5344CB8AC3E}">
+        <p14:creationId xmlns:p14="http://schemas.microsoft.com/office/powerpoint/2010/main" val="2467386147"/>
+      </p:ext>
+    </p:extLst>
+  </p:cSld>
+  <p:clrMapOvr>
+    <a:masterClrMapping/>
+  </p:clrMapOvr>
+</p:sld>
+</file>
+
+<file path=ppt/slides/slide45.xml><?xml version="1.0" encoding="utf-8"?>
+<p:sld xmlns:a="http://schemas.openxmlformats.org/drawingml/2006/main" xmlns:r="http://schemas.openxmlformats.org/officeDocument/2006/relationships" xmlns:p="http://schemas.openxmlformats.org/presentationml/2006/main">
+  <p:cSld>
+    <p:spTree>
+      <p:nvGrpSpPr>
+        <p:cNvPr id="1" name=""/>
+        <p:cNvGrpSpPr/>
+        <p:nvPr/>
+      </p:nvGrpSpPr>
+      <p:grpSpPr>
+        <a:xfrm>
+          <a:off x="0" y="0"/>
+          <a:ext cx="0" cy="0"/>
+          <a:chOff x="0" y="0"/>
+          <a:chExt cx="0" cy="0"/>
+        </a:xfrm>
+      </p:grpSpPr>
+      <p:sp>
+        <p:nvSpPr>
+          <p:cNvPr id="5" name="Oval 4"/>
+          <p:cNvSpPr/>
+          <p:nvPr/>
+        </p:nvSpPr>
+        <p:spPr>
+          <a:xfrm>
+            <a:off x="3172351" y="1217128"/>
+            <a:ext cx="481181" cy="481181"/>
+          </a:xfrm>
+          <a:prstGeom prst="ellipse">
+            <a:avLst/>
+          </a:prstGeom>
+          <a:solidFill>
+            <a:schemeClr val="tx1"/>
+          </a:solidFill>
+          <a:ln>
+            <a:noFill/>
+          </a:ln>
+          <a:effectLst/>
+        </p:spPr>
+        <p:style>
+          <a:lnRef idx="1">
+            <a:schemeClr val="accent1"/>
+          </a:lnRef>
+          <a:fillRef idx="3">
+            <a:schemeClr val="accent1"/>
+          </a:fillRef>
+          <a:effectRef idx="2">
+            <a:schemeClr val="accent1"/>
+          </a:effectRef>
+          <a:fontRef idx="minor">
+            <a:schemeClr val="lt1"/>
+          </a:fontRef>
+        </p:style>
+        <p:txBody>
+          <a:bodyPr rtlCol="0" anchor="ctr"/>
+          <a:lstStyle/>
+          <a:p>
+            <a:pPr algn="ctr"/>
+            <a:endParaRPr lang="en-US"/>
+          </a:p>
+        </p:txBody>
+      </p:sp>
+      <p:cxnSp>
+        <p:nvCxnSpPr>
+          <p:cNvPr id="20" name="Straight Arrow Connector 19"/>
+          <p:cNvCxnSpPr>
+            <a:stCxn id="5" idx="4"/>
+            <a:endCxn id="15" idx="0"/>
+          </p:cNvCxnSpPr>
+          <p:nvPr/>
+        </p:nvCxnSpPr>
+        <p:spPr>
+          <a:xfrm>
+            <a:off x="3412942" y="1698309"/>
+            <a:ext cx="12686" cy="422357"/>
+          </a:xfrm>
+          <a:prstGeom prst="straightConnector1">
+            <a:avLst/>
+          </a:prstGeom>
+          <a:ln>
+            <a:solidFill>
+              <a:schemeClr val="tx1"/>
+            </a:solidFill>
+            <a:tailEnd type="arrow"/>
+          </a:ln>
+          <a:effectLst/>
+        </p:spPr>
+        <p:style>
+          <a:lnRef idx="2">
+            <a:schemeClr val="accent1"/>
+          </a:lnRef>
+          <a:fillRef idx="0">
+            <a:schemeClr val="accent1"/>
+          </a:fillRef>
+          <a:effectRef idx="1">
+            <a:schemeClr val="accent1"/>
+          </a:effectRef>
+          <a:fontRef idx="minor">
+            <a:schemeClr val="tx1"/>
+          </a:fontRef>
+        </p:style>
+      </p:cxnSp>
+      <p:sp>
+        <p:nvSpPr>
+          <p:cNvPr id="30" name="Rounded Rectangle 29"/>
+          <p:cNvSpPr/>
+          <p:nvPr/>
+        </p:nvSpPr>
+        <p:spPr>
+          <a:xfrm>
+            <a:off x="2107833" y="3286526"/>
+            <a:ext cx="2653265" cy="923163"/>
+          </a:xfrm>
+          <a:prstGeom prst="roundRect">
+            <a:avLst/>
+          </a:prstGeom>
+          <a:solidFill>
+            <a:schemeClr val="bg1"/>
+          </a:solidFill>
+          <a:ln>
+            <a:solidFill>
+              <a:schemeClr val="tx1"/>
+            </a:solidFill>
+          </a:ln>
+          <a:effectLst/>
+        </p:spPr>
+        <p:style>
+          <a:lnRef idx="1">
+            <a:schemeClr val="accent1"/>
+          </a:lnRef>
+          <a:fillRef idx="3">
+            <a:schemeClr val="accent1"/>
+          </a:fillRef>
+          <a:effectRef idx="2">
+            <a:schemeClr val="accent1"/>
+          </a:effectRef>
+          <a:fontRef idx="minor">
+            <a:schemeClr val="lt1"/>
+          </a:fontRef>
+        </p:style>
+        <p:txBody>
+          <a:bodyPr rtlCol="0" anchor="ctr"/>
+          <a:lstStyle/>
+          <a:p>
+            <a:pPr algn="ctr"/>
+            <a:r>
+              <a:rPr lang="en-US" sz="1400" dirty="0" smtClean="0">
+                <a:solidFill>
+                  <a:schemeClr val="tx1"/>
+                </a:solidFill>
+              </a:rPr>
+              <a:t>System goes to the conversation between the user and shopkeeper page</a:t>
+            </a:r>
+            <a:endParaRPr lang="en-US" sz="1400" dirty="0">
+              <a:solidFill>
+                <a:schemeClr val="tx1"/>
+              </a:solidFill>
+            </a:endParaRPr>
+          </a:p>
+        </p:txBody>
+      </p:sp>
+      <p:sp>
+        <p:nvSpPr>
+          <p:cNvPr id="67" name="Oval 66"/>
+          <p:cNvSpPr/>
+          <p:nvPr/>
+        </p:nvSpPr>
+        <p:spPr>
+          <a:xfrm>
+            <a:off x="3151682" y="7470000"/>
+            <a:ext cx="590939" cy="590939"/>
+          </a:xfrm>
+          <a:prstGeom prst="ellipse">
+            <a:avLst/>
+          </a:prstGeom>
+          <a:solidFill>
+            <a:schemeClr val="bg1"/>
+          </a:solidFill>
+          <a:ln>
+            <a:solidFill>
+              <a:schemeClr val="tx1"/>
+            </a:solidFill>
+          </a:ln>
+          <a:effectLst/>
+        </p:spPr>
+        <p:style>
+          <a:lnRef idx="1">
+            <a:schemeClr val="accent1"/>
+          </a:lnRef>
+          <a:fillRef idx="3">
+            <a:schemeClr val="accent1"/>
+          </a:fillRef>
+          <a:effectRef idx="2">
+            <a:schemeClr val="accent1"/>
+          </a:effectRef>
+          <a:fontRef idx="minor">
+            <a:schemeClr val="lt1"/>
+          </a:fontRef>
+        </p:style>
+        <p:txBody>
+          <a:bodyPr rtlCol="0" anchor="ctr"/>
+          <a:lstStyle/>
+          <a:p>
+            <a:pPr algn="ctr"/>
+            <a:endParaRPr lang="en-US"/>
+          </a:p>
+        </p:txBody>
+      </p:sp>
+      <p:sp>
+        <p:nvSpPr>
+          <p:cNvPr id="68" name="Oval 67"/>
+          <p:cNvSpPr/>
+          <p:nvPr/>
+        </p:nvSpPr>
+        <p:spPr>
+          <a:xfrm>
+            <a:off x="3285476" y="7597149"/>
+            <a:ext cx="315402" cy="315402"/>
+          </a:xfrm>
+          <a:prstGeom prst="ellipse">
+            <a:avLst/>
+          </a:prstGeom>
+          <a:solidFill>
+            <a:schemeClr val="tx1"/>
+          </a:solidFill>
+          <a:ln>
+            <a:noFill/>
+          </a:ln>
+          <a:effectLst/>
+        </p:spPr>
+        <p:style>
+          <a:lnRef idx="1">
+            <a:schemeClr val="accent1"/>
+          </a:lnRef>
+          <a:fillRef idx="3">
+            <a:schemeClr val="accent1"/>
+          </a:fillRef>
+          <a:effectRef idx="2">
+            <a:schemeClr val="accent1"/>
+          </a:effectRef>
+          <a:fontRef idx="minor">
+            <a:schemeClr val="lt1"/>
+          </a:fontRef>
+        </p:style>
+        <p:txBody>
+          <a:bodyPr rtlCol="0" anchor="ctr"/>
+          <a:lstStyle/>
+          <a:p>
+            <a:pPr algn="ctr"/>
+            <a:endParaRPr lang="en-US"/>
+          </a:p>
+        </p:txBody>
+      </p:sp>
+      <p:sp>
+        <p:nvSpPr>
+          <p:cNvPr id="69" name="Rounded Rectangle 68"/>
+          <p:cNvSpPr/>
+          <p:nvPr/>
+        </p:nvSpPr>
+        <p:spPr>
+          <a:xfrm>
+            <a:off x="2079590" y="6130382"/>
+            <a:ext cx="2735124" cy="962472"/>
+          </a:xfrm>
+          <a:prstGeom prst="roundRect">
+            <a:avLst/>
+          </a:prstGeom>
+          <a:solidFill>
+            <a:schemeClr val="bg1"/>
+          </a:solidFill>
+          <a:ln>
+            <a:solidFill>
+              <a:schemeClr val="tx1"/>
+            </a:solidFill>
+          </a:ln>
+          <a:effectLst/>
+        </p:spPr>
+        <p:style>
+          <a:lnRef idx="1">
+            <a:schemeClr val="accent1"/>
+          </a:lnRef>
+          <a:fillRef idx="3">
+            <a:schemeClr val="accent1"/>
+          </a:fillRef>
+          <a:effectRef idx="2">
+            <a:schemeClr val="accent1"/>
+          </a:effectRef>
+          <a:fontRef idx="minor">
+            <a:schemeClr val="lt1"/>
+          </a:fontRef>
+        </p:style>
+        <p:txBody>
+          <a:bodyPr rtlCol="0" anchor="ctr"/>
+          <a:lstStyle/>
+          <a:p>
+            <a:pPr algn="ctr"/>
+            <a:r>
+              <a:rPr lang="en-US" sz="1400" dirty="0" smtClean="0">
+                <a:solidFill>
+                  <a:schemeClr val="tx1"/>
+                </a:solidFill>
+              </a:rPr>
+              <a:t>Display the messages received from the shopkeeper a</a:t>
+            </a:r>
+          </a:p>
+          <a:p>
+            <a:pPr algn="ctr"/>
+            <a:r>
+              <a:rPr lang="en-US" sz="1400" dirty="0" err="1" smtClean="0">
+                <a:solidFill>
+                  <a:schemeClr val="tx1"/>
+                </a:solidFill>
+              </a:rPr>
+              <a:t>ccording</a:t>
+            </a:r>
+            <a:r>
+              <a:rPr lang="en-US" sz="1400" dirty="0" smtClean="0">
+                <a:solidFill>
+                  <a:schemeClr val="tx1"/>
+                </a:solidFill>
+              </a:rPr>
+              <a:t> to time</a:t>
+            </a:r>
+            <a:endParaRPr lang="en-US" sz="1400" dirty="0">
+              <a:solidFill>
+                <a:schemeClr val="tx1"/>
+              </a:solidFill>
+            </a:endParaRPr>
+          </a:p>
+        </p:txBody>
+      </p:sp>
+      <p:cxnSp>
+        <p:nvCxnSpPr>
+          <p:cNvPr id="70" name="Straight Arrow Connector 69"/>
+          <p:cNvCxnSpPr>
+            <a:stCxn id="30" idx="2"/>
+            <a:endCxn id="12" idx="0"/>
+          </p:cNvCxnSpPr>
+          <p:nvPr/>
+        </p:nvCxnSpPr>
+        <p:spPr>
+          <a:xfrm>
+            <a:off x="3434466" y="4209689"/>
+            <a:ext cx="12686" cy="494214"/>
+          </a:xfrm>
+          <a:prstGeom prst="straightConnector1">
+            <a:avLst/>
+          </a:prstGeom>
+          <a:ln>
+            <a:solidFill>
+              <a:schemeClr val="tx1"/>
+            </a:solidFill>
+            <a:tailEnd type="arrow"/>
+          </a:ln>
+          <a:effectLst/>
+        </p:spPr>
+        <p:style>
+          <a:lnRef idx="2">
+            <a:schemeClr val="accent1"/>
+          </a:lnRef>
+          <a:fillRef idx="0">
+            <a:schemeClr val="accent1"/>
+          </a:fillRef>
+          <a:effectRef idx="1">
+            <a:schemeClr val="accent1"/>
+          </a:effectRef>
+          <a:fontRef idx="minor">
+            <a:schemeClr val="tx1"/>
+          </a:fontRef>
+        </p:style>
+      </p:cxnSp>
+      <p:cxnSp>
+        <p:nvCxnSpPr>
+          <p:cNvPr id="35" name="Straight Arrow Connector 34"/>
+          <p:cNvCxnSpPr>
+            <a:stCxn id="69" idx="2"/>
+            <a:endCxn id="67" idx="0"/>
+          </p:cNvCxnSpPr>
+          <p:nvPr/>
+        </p:nvCxnSpPr>
+        <p:spPr>
+          <a:xfrm>
+            <a:off x="3447152" y="7092854"/>
+            <a:ext cx="0" cy="377146"/>
+          </a:xfrm>
+          <a:prstGeom prst="straightConnector1">
+            <a:avLst/>
+          </a:prstGeom>
+          <a:ln>
+            <a:solidFill>
+              <a:schemeClr val="tx1"/>
+            </a:solidFill>
+            <a:tailEnd type="arrow"/>
+          </a:ln>
+          <a:effectLst/>
+        </p:spPr>
+        <p:style>
+          <a:lnRef idx="2">
+            <a:schemeClr val="accent1"/>
+          </a:lnRef>
+          <a:fillRef idx="0">
+            <a:schemeClr val="accent1"/>
+          </a:fillRef>
+          <a:effectRef idx="1">
+            <a:schemeClr val="accent1"/>
+          </a:effectRef>
+          <a:fontRef idx="minor">
+            <a:schemeClr val="tx1"/>
+          </a:fontRef>
+        </p:style>
+      </p:cxnSp>
+      <p:sp>
+        <p:nvSpPr>
+          <p:cNvPr id="12" name="Rounded Rectangle 11"/>
+          <p:cNvSpPr/>
+          <p:nvPr/>
+        </p:nvSpPr>
+        <p:spPr>
+          <a:xfrm>
+            <a:off x="2336245" y="4703903"/>
+            <a:ext cx="2221814" cy="962472"/>
+          </a:xfrm>
+          <a:prstGeom prst="roundRect">
+            <a:avLst/>
+          </a:prstGeom>
+          <a:solidFill>
+            <a:schemeClr val="bg1"/>
+          </a:solidFill>
+          <a:ln>
+            <a:solidFill>
+              <a:schemeClr val="tx1"/>
+            </a:solidFill>
+          </a:ln>
+          <a:effectLst/>
+        </p:spPr>
+        <p:style>
+          <a:lnRef idx="1">
+            <a:schemeClr val="accent1"/>
+          </a:lnRef>
+          <a:fillRef idx="3">
+            <a:schemeClr val="accent1"/>
+          </a:fillRef>
+          <a:effectRef idx="2">
+            <a:schemeClr val="accent1"/>
+          </a:effectRef>
+          <a:fontRef idx="minor">
+            <a:schemeClr val="lt1"/>
+          </a:fontRef>
+        </p:style>
+        <p:txBody>
+          <a:bodyPr rtlCol="0" anchor="ctr"/>
+          <a:lstStyle/>
+          <a:p>
+            <a:pPr lvl="0" algn="ctr"/>
+            <a:r>
+              <a:rPr lang="en-US" sz="1400" dirty="0">
+                <a:solidFill>
+                  <a:srgbClr val="000000"/>
+                </a:solidFill>
+              </a:rPr>
+              <a:t>System retrieves messages from database.</a:t>
+            </a:r>
+          </a:p>
+        </p:txBody>
+      </p:sp>
+      <p:cxnSp>
+        <p:nvCxnSpPr>
+          <p:cNvPr id="14" name="Straight Arrow Connector 13"/>
+          <p:cNvCxnSpPr>
+            <a:stCxn id="12" idx="2"/>
+            <a:endCxn id="69" idx="0"/>
+          </p:cNvCxnSpPr>
+          <p:nvPr/>
+        </p:nvCxnSpPr>
+        <p:spPr>
+          <a:xfrm>
+            <a:off x="3447152" y="5666375"/>
+            <a:ext cx="0" cy="464007"/>
+          </a:xfrm>
+          <a:prstGeom prst="straightConnector1">
+            <a:avLst/>
+          </a:prstGeom>
+          <a:ln>
+            <a:solidFill>
+              <a:schemeClr val="tx1"/>
+            </a:solidFill>
+            <a:tailEnd type="arrow"/>
+          </a:ln>
+          <a:effectLst/>
+        </p:spPr>
+        <p:style>
+          <a:lnRef idx="2">
+            <a:schemeClr val="accent1"/>
+          </a:lnRef>
+          <a:fillRef idx="0">
+            <a:schemeClr val="accent1"/>
+          </a:fillRef>
+          <a:effectRef idx="1">
+            <a:schemeClr val="accent1"/>
+          </a:effectRef>
+          <a:fontRef idx="minor">
+            <a:schemeClr val="tx1"/>
+          </a:fontRef>
+        </p:style>
+      </p:cxnSp>
+      <p:sp>
+        <p:nvSpPr>
+          <p:cNvPr id="15" name="Rounded Rectangle 14"/>
+          <p:cNvSpPr/>
+          <p:nvPr/>
+        </p:nvSpPr>
+        <p:spPr>
+          <a:xfrm>
+            <a:off x="2314721" y="2120666"/>
+            <a:ext cx="2221814" cy="610959"/>
+          </a:xfrm>
+          <a:prstGeom prst="roundRect">
+            <a:avLst/>
+          </a:prstGeom>
+          <a:solidFill>
+            <a:schemeClr val="bg1"/>
+          </a:solidFill>
+          <a:ln>
+            <a:solidFill>
+              <a:schemeClr val="tx1"/>
+            </a:solidFill>
+          </a:ln>
+          <a:effectLst/>
+        </p:spPr>
+        <p:style>
+          <a:lnRef idx="1">
+            <a:schemeClr val="accent1"/>
+          </a:lnRef>
+          <a:fillRef idx="3">
+            <a:schemeClr val="accent1"/>
+          </a:fillRef>
+          <a:effectRef idx="2">
+            <a:schemeClr val="accent1"/>
+          </a:effectRef>
+          <a:fontRef idx="minor">
+            <a:schemeClr val="lt1"/>
+          </a:fontRef>
+        </p:style>
+        <p:txBody>
+          <a:bodyPr rtlCol="0" anchor="ctr"/>
+          <a:lstStyle/>
+          <a:p>
+            <a:pPr lvl="0" algn="ctr"/>
+            <a:r>
+              <a:rPr lang="en-US" sz="1400" dirty="0" smtClean="0">
+                <a:solidFill>
+                  <a:srgbClr val="000000"/>
+                </a:solidFill>
+              </a:rPr>
+              <a:t>Select a conversation</a:t>
+            </a:r>
+            <a:endParaRPr lang="en-US" sz="1400" dirty="0">
+              <a:solidFill>
+                <a:srgbClr val="000000"/>
+              </a:solidFill>
+            </a:endParaRPr>
+          </a:p>
+        </p:txBody>
+      </p:sp>
+      <p:cxnSp>
+        <p:nvCxnSpPr>
+          <p:cNvPr id="17" name="Straight Arrow Connector 16"/>
+          <p:cNvCxnSpPr>
+            <a:stCxn id="15" idx="2"/>
+            <a:endCxn id="30" idx="0"/>
+          </p:cNvCxnSpPr>
+          <p:nvPr/>
+        </p:nvCxnSpPr>
+        <p:spPr>
+          <a:xfrm>
+            <a:off x="3425628" y="2731625"/>
+            <a:ext cx="8838" cy="554901"/>
+          </a:xfrm>
+          <a:prstGeom prst="straightConnector1">
+            <a:avLst/>
+          </a:prstGeom>
+          <a:ln>
+            <a:solidFill>
+              <a:schemeClr val="tx1"/>
+            </a:solidFill>
+            <a:tailEnd type="arrow"/>
+          </a:ln>
+          <a:effectLst/>
+        </p:spPr>
+        <p:style>
+          <a:lnRef idx="2">
+            <a:schemeClr val="accent1"/>
+          </a:lnRef>
+          <a:fillRef idx="0">
+            <a:schemeClr val="accent1"/>
+          </a:fillRef>
+          <a:effectRef idx="1">
+            <a:schemeClr val="accent1"/>
+          </a:effectRef>
+          <a:fontRef idx="minor">
+            <a:schemeClr val="tx1"/>
+          </a:fontRef>
+        </p:style>
+      </p:cxnSp>
+    </p:spTree>
+    <p:extLst>
+      <p:ext uri="{BB962C8B-B14F-4D97-AF65-F5344CB8AC3E}">
+        <p14:creationId xmlns:p14="http://schemas.microsoft.com/office/powerpoint/2010/main" val="981251120"/>
+      </p:ext>
+    </p:extLst>
+  </p:cSld>
+  <p:clrMapOvr>
+    <a:masterClrMapping/>
+  </p:clrMapOvr>
+</p:sld>
+</file>
+
+<file path=ppt/slides/slide46.xml><?xml version="1.0" encoding="utf-8"?>
+<p:sld xmlns:a="http://schemas.openxmlformats.org/drawingml/2006/main" xmlns:r="http://schemas.openxmlformats.org/officeDocument/2006/relationships" xmlns:p="http://schemas.openxmlformats.org/presentationml/2006/main">
+  <p:cSld>
+    <p:spTree>
+      <p:nvGrpSpPr>
+        <p:cNvPr id="1" name=""/>
+        <p:cNvGrpSpPr/>
+        <p:nvPr/>
+      </p:nvGrpSpPr>
+      <p:grpSpPr>
+        <a:xfrm>
+          <a:off x="0" y="0"/>
+          <a:ext cx="0" cy="0"/>
+          <a:chOff x="0" y="0"/>
+          <a:chExt cx="0" cy="0"/>
+        </a:xfrm>
+      </p:grpSpPr>
+      <p:sp>
+        <p:nvSpPr>
+          <p:cNvPr id="5" name="Oval 4"/>
+          <p:cNvSpPr/>
+          <p:nvPr/>
+        </p:nvSpPr>
+        <p:spPr>
+          <a:xfrm>
+            <a:off x="3178757" y="2047424"/>
+            <a:ext cx="481181" cy="481181"/>
+          </a:xfrm>
+          <a:prstGeom prst="ellipse">
+            <a:avLst/>
+          </a:prstGeom>
+          <a:solidFill>
+            <a:schemeClr val="tx1"/>
+          </a:solidFill>
+          <a:ln>
+            <a:noFill/>
+          </a:ln>
+          <a:effectLst/>
+        </p:spPr>
+        <p:style>
+          <a:lnRef idx="1">
+            <a:schemeClr val="accent1"/>
+          </a:lnRef>
+          <a:fillRef idx="3">
+            <a:schemeClr val="accent1"/>
+          </a:fillRef>
+          <a:effectRef idx="2">
+            <a:schemeClr val="accent1"/>
+          </a:effectRef>
+          <a:fontRef idx="minor">
+            <a:schemeClr val="lt1"/>
+          </a:fontRef>
+        </p:style>
+        <p:txBody>
+          <a:bodyPr rtlCol="0" anchor="ctr"/>
+          <a:lstStyle/>
+          <a:p>
+            <a:pPr algn="ctr"/>
+            <a:endParaRPr lang="en-US"/>
+          </a:p>
+        </p:txBody>
+      </p:sp>
+      <p:cxnSp>
+        <p:nvCxnSpPr>
+          <p:cNvPr id="20" name="Straight Arrow Connector 19"/>
+          <p:cNvCxnSpPr>
+            <a:stCxn id="5" idx="4"/>
+            <a:endCxn id="30" idx="0"/>
+          </p:cNvCxnSpPr>
+          <p:nvPr/>
+        </p:nvCxnSpPr>
+        <p:spPr>
+          <a:xfrm flipH="1">
+            <a:off x="3415759" y="2528605"/>
+            <a:ext cx="3589" cy="405801"/>
+          </a:xfrm>
+          <a:prstGeom prst="straightConnector1">
+            <a:avLst/>
+          </a:prstGeom>
+          <a:ln>
+            <a:solidFill>
+              <a:schemeClr val="tx1"/>
+            </a:solidFill>
+            <a:tailEnd type="arrow"/>
+          </a:ln>
+          <a:effectLst/>
+        </p:spPr>
+        <p:style>
+          <a:lnRef idx="2">
+            <a:schemeClr val="accent1"/>
+          </a:lnRef>
+          <a:fillRef idx="0">
+            <a:schemeClr val="accent1"/>
+          </a:fillRef>
+          <a:effectRef idx="1">
+            <a:schemeClr val="accent1"/>
+          </a:effectRef>
+          <a:fontRef idx="minor">
+            <a:schemeClr val="tx1"/>
+          </a:fontRef>
+        </p:style>
+      </p:cxnSp>
+      <p:sp>
+        <p:nvSpPr>
+          <p:cNvPr id="30" name="Rounded Rectangle 29"/>
+          <p:cNvSpPr/>
+          <p:nvPr/>
+        </p:nvSpPr>
+        <p:spPr>
+          <a:xfrm>
+            <a:off x="2502984" y="2934406"/>
+            <a:ext cx="1825550" cy="502435"/>
+          </a:xfrm>
+          <a:prstGeom prst="roundRect">
+            <a:avLst/>
+          </a:prstGeom>
+          <a:solidFill>
+            <a:schemeClr val="bg1"/>
+          </a:solidFill>
+          <a:ln>
+            <a:solidFill>
+              <a:schemeClr val="tx1"/>
+            </a:solidFill>
+          </a:ln>
+          <a:effectLst/>
+        </p:spPr>
+        <p:style>
+          <a:lnRef idx="1">
+            <a:schemeClr val="accent1"/>
+          </a:lnRef>
+          <a:fillRef idx="3">
+            <a:schemeClr val="accent1"/>
+          </a:fillRef>
+          <a:effectRef idx="2">
+            <a:schemeClr val="accent1"/>
+          </a:effectRef>
+          <a:fontRef idx="minor">
+            <a:schemeClr val="lt1"/>
+          </a:fontRef>
+        </p:style>
+        <p:txBody>
+          <a:bodyPr rtlCol="0" anchor="ctr"/>
+          <a:lstStyle/>
+          <a:p>
+            <a:pPr algn="ctr"/>
+            <a:r>
+              <a:rPr lang="en-US" sz="1400" dirty="0" smtClean="0">
+                <a:solidFill>
+                  <a:schemeClr val="tx1"/>
+                </a:solidFill>
+              </a:rPr>
+              <a:t>Go to </a:t>
+            </a:r>
+            <a:r>
+              <a:rPr lang="en-US" sz="1400" dirty="0" smtClean="0">
+                <a:solidFill>
+                  <a:schemeClr val="tx1"/>
+                </a:solidFill>
+              </a:rPr>
+              <a:t>notification page</a:t>
+            </a:r>
+            <a:endParaRPr lang="en-US" sz="1400" dirty="0">
+              <a:solidFill>
+                <a:schemeClr val="tx1"/>
+              </a:solidFill>
+            </a:endParaRPr>
+          </a:p>
+        </p:txBody>
+      </p:sp>
+      <p:sp>
+        <p:nvSpPr>
+          <p:cNvPr id="67" name="Oval 66"/>
+          <p:cNvSpPr/>
+          <p:nvPr/>
+        </p:nvSpPr>
+        <p:spPr>
+          <a:xfrm>
+            <a:off x="3127467" y="6887569"/>
+            <a:ext cx="590939" cy="590939"/>
+          </a:xfrm>
+          <a:prstGeom prst="ellipse">
+            <a:avLst/>
+          </a:prstGeom>
+          <a:solidFill>
+            <a:schemeClr val="bg1"/>
+          </a:solidFill>
+          <a:ln>
+            <a:solidFill>
+              <a:schemeClr val="tx1"/>
+            </a:solidFill>
+          </a:ln>
+          <a:effectLst/>
+        </p:spPr>
+        <p:style>
+          <a:lnRef idx="1">
+            <a:schemeClr val="accent1"/>
+          </a:lnRef>
+          <a:fillRef idx="3">
+            <a:schemeClr val="accent1"/>
+          </a:fillRef>
+          <a:effectRef idx="2">
+            <a:schemeClr val="accent1"/>
+          </a:effectRef>
+          <a:fontRef idx="minor">
+            <a:schemeClr val="lt1"/>
+          </a:fontRef>
+        </p:style>
+        <p:txBody>
+          <a:bodyPr rtlCol="0" anchor="ctr"/>
+          <a:lstStyle/>
+          <a:p>
+            <a:pPr algn="ctr"/>
+            <a:endParaRPr lang="en-US"/>
+          </a:p>
+        </p:txBody>
+      </p:sp>
+      <p:sp>
+        <p:nvSpPr>
+          <p:cNvPr id="68" name="Oval 67"/>
+          <p:cNvSpPr/>
+          <p:nvPr/>
+        </p:nvSpPr>
+        <p:spPr>
+          <a:xfrm>
+            <a:off x="3261261" y="7014718"/>
+            <a:ext cx="315402" cy="315402"/>
+          </a:xfrm>
+          <a:prstGeom prst="ellipse">
+            <a:avLst/>
+          </a:prstGeom>
+          <a:solidFill>
+            <a:schemeClr val="tx1"/>
+          </a:solidFill>
+          <a:ln>
+            <a:noFill/>
+          </a:ln>
+          <a:effectLst/>
+        </p:spPr>
+        <p:style>
+          <a:lnRef idx="1">
+            <a:schemeClr val="accent1"/>
+          </a:lnRef>
+          <a:fillRef idx="3">
+            <a:schemeClr val="accent1"/>
+          </a:fillRef>
+          <a:effectRef idx="2">
+            <a:schemeClr val="accent1"/>
+          </a:effectRef>
+          <a:fontRef idx="minor">
+            <a:schemeClr val="lt1"/>
+          </a:fontRef>
+        </p:style>
+        <p:txBody>
+          <a:bodyPr rtlCol="0" anchor="ctr"/>
+          <a:lstStyle/>
+          <a:p>
+            <a:pPr algn="ctr"/>
+            <a:endParaRPr lang="en-US"/>
+          </a:p>
+        </p:txBody>
+      </p:sp>
+      <p:sp>
+        <p:nvSpPr>
+          <p:cNvPr id="69" name="Rounded Rectangle 68"/>
+          <p:cNvSpPr/>
+          <p:nvPr/>
+        </p:nvSpPr>
+        <p:spPr>
+          <a:xfrm>
+            <a:off x="1741448" y="5414259"/>
+            <a:ext cx="3355800" cy="962472"/>
+          </a:xfrm>
+          <a:prstGeom prst="roundRect">
+            <a:avLst/>
+          </a:prstGeom>
+          <a:solidFill>
+            <a:schemeClr val="bg1"/>
+          </a:solidFill>
+          <a:ln>
+            <a:solidFill>
+              <a:schemeClr val="tx1"/>
+            </a:solidFill>
+          </a:ln>
+          <a:effectLst/>
+        </p:spPr>
+        <p:style>
+          <a:lnRef idx="1">
+            <a:schemeClr val="accent1"/>
+          </a:lnRef>
+          <a:fillRef idx="3">
+            <a:schemeClr val="accent1"/>
+          </a:fillRef>
+          <a:effectRef idx="2">
+            <a:schemeClr val="accent1"/>
+          </a:effectRef>
+          <a:fontRef idx="minor">
+            <a:schemeClr val="lt1"/>
+          </a:fontRef>
+        </p:style>
+        <p:txBody>
+          <a:bodyPr rtlCol="0" anchor="ctr"/>
+          <a:lstStyle/>
+          <a:p>
+            <a:pPr algn="ctr"/>
+            <a:r>
+              <a:rPr lang="en-US" sz="1400" dirty="0" smtClean="0">
+                <a:solidFill>
+                  <a:schemeClr val="tx1"/>
+                </a:solidFill>
+              </a:rPr>
+              <a:t>Display list of </a:t>
+            </a:r>
+            <a:r>
+              <a:rPr lang="en-US" sz="1400" dirty="0" smtClean="0">
+                <a:solidFill>
+                  <a:schemeClr val="tx1"/>
+                </a:solidFill>
+              </a:rPr>
+              <a:t>user’s new activities</a:t>
+            </a:r>
+            <a:endParaRPr lang="en-US" sz="1400" dirty="0">
+              <a:solidFill>
+                <a:schemeClr val="tx1"/>
+              </a:solidFill>
+            </a:endParaRPr>
+          </a:p>
+        </p:txBody>
+      </p:sp>
+      <p:cxnSp>
+        <p:nvCxnSpPr>
+          <p:cNvPr id="70" name="Straight Arrow Connector 69"/>
+          <p:cNvCxnSpPr>
+            <a:stCxn id="30" idx="2"/>
+            <a:endCxn id="12" idx="0"/>
+          </p:cNvCxnSpPr>
+          <p:nvPr/>
+        </p:nvCxnSpPr>
+        <p:spPr>
+          <a:xfrm>
+            <a:off x="3415759" y="3436841"/>
+            <a:ext cx="0" cy="457203"/>
+          </a:xfrm>
+          <a:prstGeom prst="straightConnector1">
+            <a:avLst/>
+          </a:prstGeom>
+          <a:ln>
+            <a:solidFill>
+              <a:schemeClr val="tx1"/>
+            </a:solidFill>
+            <a:tailEnd type="arrow"/>
+          </a:ln>
+          <a:effectLst/>
+        </p:spPr>
+        <p:style>
+          <a:lnRef idx="2">
+            <a:schemeClr val="accent1"/>
+          </a:lnRef>
+          <a:fillRef idx="0">
+            <a:schemeClr val="accent1"/>
+          </a:fillRef>
+          <a:effectRef idx="1">
+            <a:schemeClr val="accent1"/>
+          </a:effectRef>
+          <a:fontRef idx="minor">
+            <a:schemeClr val="tx1"/>
+          </a:fontRef>
+        </p:style>
+      </p:cxnSp>
+      <p:cxnSp>
+        <p:nvCxnSpPr>
+          <p:cNvPr id="35" name="Straight Arrow Connector 34"/>
+          <p:cNvCxnSpPr>
+            <a:stCxn id="69" idx="2"/>
+            <a:endCxn id="67" idx="0"/>
+          </p:cNvCxnSpPr>
+          <p:nvPr/>
+        </p:nvCxnSpPr>
+        <p:spPr>
+          <a:xfrm>
+            <a:off x="3419348" y="6376731"/>
+            <a:ext cx="3589" cy="510838"/>
+          </a:xfrm>
+          <a:prstGeom prst="straightConnector1">
+            <a:avLst/>
+          </a:prstGeom>
+          <a:ln>
+            <a:solidFill>
+              <a:schemeClr val="tx1"/>
+            </a:solidFill>
+            <a:tailEnd type="arrow"/>
+          </a:ln>
+          <a:effectLst/>
+        </p:spPr>
+        <p:style>
+          <a:lnRef idx="2">
+            <a:schemeClr val="accent1"/>
+          </a:lnRef>
+          <a:fillRef idx="0">
+            <a:schemeClr val="accent1"/>
+          </a:fillRef>
+          <a:effectRef idx="1">
+            <a:schemeClr val="accent1"/>
+          </a:effectRef>
+          <a:fontRef idx="minor">
+            <a:schemeClr val="tx1"/>
+          </a:fontRef>
+        </p:style>
+      </p:cxnSp>
+      <p:sp>
+        <p:nvSpPr>
+          <p:cNvPr id="12" name="Rounded Rectangle 11"/>
+          <p:cNvSpPr/>
+          <p:nvPr/>
+        </p:nvSpPr>
+        <p:spPr>
+          <a:xfrm>
+            <a:off x="2364412" y="3894044"/>
+            <a:ext cx="2102693" cy="1002692"/>
+          </a:xfrm>
+          <a:prstGeom prst="roundRect">
+            <a:avLst/>
+          </a:prstGeom>
+          <a:solidFill>
+            <a:schemeClr val="bg1"/>
+          </a:solidFill>
+          <a:ln>
+            <a:solidFill>
+              <a:schemeClr val="tx1"/>
+            </a:solidFill>
+          </a:ln>
+          <a:effectLst/>
+        </p:spPr>
+        <p:style>
+          <a:lnRef idx="1">
+            <a:schemeClr val="accent1"/>
+          </a:lnRef>
+          <a:fillRef idx="3">
+            <a:schemeClr val="accent1"/>
+          </a:fillRef>
+          <a:effectRef idx="2">
+            <a:schemeClr val="accent1"/>
+          </a:effectRef>
+          <a:fontRef idx="minor">
+            <a:schemeClr val="lt1"/>
+          </a:fontRef>
+        </p:style>
+        <p:txBody>
+          <a:bodyPr rtlCol="0" anchor="ctr"/>
+          <a:lstStyle/>
+          <a:p>
+            <a:pPr lvl="0" algn="ctr"/>
+            <a:r>
+              <a:rPr lang="en-US" sz="1400" dirty="0">
+                <a:solidFill>
+                  <a:schemeClr val="tx1"/>
+                </a:solidFill>
+              </a:rPr>
+              <a:t>System </a:t>
+            </a:r>
+            <a:r>
+              <a:rPr lang="en-US" sz="1400" dirty="0" smtClean="0">
+                <a:solidFill>
+                  <a:schemeClr val="tx1"/>
+                </a:solidFill>
+              </a:rPr>
+              <a:t>checks </a:t>
+            </a:r>
+            <a:r>
+              <a:rPr lang="en-US" sz="1400" dirty="0" smtClean="0">
+                <a:solidFill>
+                  <a:schemeClr val="tx1"/>
+                </a:solidFill>
+              </a:rPr>
+              <a:t>new activity that has happened with </a:t>
+            </a:r>
+            <a:r>
+              <a:rPr lang="en-US" sz="1400" dirty="0" smtClean="0">
+                <a:solidFill>
+                  <a:schemeClr val="tx1"/>
+                </a:solidFill>
+              </a:rPr>
+              <a:t>the </a:t>
+            </a:r>
+            <a:r>
+              <a:rPr lang="en-US" sz="1400" dirty="0">
+                <a:solidFill>
+                  <a:schemeClr val="tx1"/>
+                </a:solidFill>
+              </a:rPr>
+              <a:t>user </a:t>
+            </a:r>
+            <a:r>
+              <a:rPr lang="en-US" sz="1400" dirty="0" smtClean="0">
+                <a:solidFill>
+                  <a:schemeClr val="tx1"/>
+                </a:solidFill>
+              </a:rPr>
+              <a:t>in </a:t>
+            </a:r>
+            <a:r>
+              <a:rPr lang="en-US" sz="1400" dirty="0">
+                <a:solidFill>
+                  <a:schemeClr val="tx1"/>
+                </a:solidFill>
+              </a:rPr>
+              <a:t>database.</a:t>
+            </a:r>
+          </a:p>
+        </p:txBody>
+      </p:sp>
+      <p:cxnSp>
+        <p:nvCxnSpPr>
+          <p:cNvPr id="14" name="Straight Arrow Connector 13"/>
+          <p:cNvCxnSpPr>
+            <a:stCxn id="12" idx="2"/>
+            <a:endCxn id="69" idx="0"/>
+          </p:cNvCxnSpPr>
+          <p:nvPr/>
+        </p:nvCxnSpPr>
+        <p:spPr>
+          <a:xfrm>
+            <a:off x="3415759" y="4896736"/>
+            <a:ext cx="3589" cy="517523"/>
+          </a:xfrm>
+          <a:prstGeom prst="straightConnector1">
+            <a:avLst/>
+          </a:prstGeom>
+          <a:ln>
+            <a:solidFill>
+              <a:schemeClr val="tx1"/>
+            </a:solidFill>
+            <a:tailEnd type="arrow"/>
+          </a:ln>
+          <a:effectLst/>
+        </p:spPr>
+        <p:style>
+          <a:lnRef idx="2">
+            <a:schemeClr val="accent1"/>
+          </a:lnRef>
+          <a:fillRef idx="0">
+            <a:schemeClr val="accent1"/>
+          </a:fillRef>
+          <a:effectRef idx="1">
+            <a:schemeClr val="accent1"/>
+          </a:effectRef>
+          <a:fontRef idx="minor">
+            <a:schemeClr val="tx1"/>
+          </a:fontRef>
+        </p:style>
+      </p:cxnSp>
+    </p:spTree>
+    <p:extLst>
+      <p:ext uri="{BB962C8B-B14F-4D97-AF65-F5344CB8AC3E}">
+        <p14:creationId xmlns:p14="http://schemas.microsoft.com/office/powerpoint/2010/main" val="2985125032"/>
+      </p:ext>
+    </p:extLst>
+  </p:cSld>
+  <p:clrMapOvr>
+    <a:masterClrMapping/>
+  </p:clrMapOvr>
+</p:sld>
+</file>
+
+<file path=ppt/slides/slide47.xml><?xml version="1.0" encoding="utf-8"?>
+<p:sld xmlns:a="http://schemas.openxmlformats.org/drawingml/2006/main" xmlns:r="http://schemas.openxmlformats.org/officeDocument/2006/relationships" xmlns:p="http://schemas.openxmlformats.org/presentationml/2006/main">
+  <p:cSld>
+    <p:spTree>
+      <p:nvGrpSpPr>
+        <p:cNvPr id="1" name=""/>
+        <p:cNvGrpSpPr/>
+        <p:nvPr/>
+      </p:nvGrpSpPr>
+      <p:grpSpPr>
+        <a:xfrm>
+          <a:off x="0" y="0"/>
+          <a:ext cx="0" cy="0"/>
+          <a:chOff x="0" y="0"/>
+          <a:chExt cx="0" cy="0"/>
+        </a:xfrm>
+      </p:grpSpPr>
+      <p:sp>
+        <p:nvSpPr>
+          <p:cNvPr id="5" name="Oval 4"/>
+          <p:cNvSpPr/>
+          <p:nvPr/>
+        </p:nvSpPr>
+        <p:spPr>
+          <a:xfrm>
+            <a:off x="1344856" y="666889"/>
+            <a:ext cx="481181" cy="481181"/>
+          </a:xfrm>
+          <a:prstGeom prst="ellipse">
+            <a:avLst/>
+          </a:prstGeom>
+          <a:solidFill>
+            <a:schemeClr val="tx1"/>
+          </a:solidFill>
+          <a:ln>
+            <a:noFill/>
+          </a:ln>
+          <a:effectLst/>
+        </p:spPr>
+        <p:style>
+          <a:lnRef idx="1">
+            <a:schemeClr val="accent1"/>
+          </a:lnRef>
+          <a:fillRef idx="3">
+            <a:schemeClr val="accent1"/>
+          </a:fillRef>
+          <a:effectRef idx="2">
+            <a:schemeClr val="accent1"/>
+          </a:effectRef>
+          <a:fontRef idx="minor">
+            <a:schemeClr val="lt1"/>
+          </a:fontRef>
+        </p:style>
+        <p:txBody>
+          <a:bodyPr rtlCol="0" anchor="ctr"/>
+          <a:lstStyle/>
+          <a:p>
+            <a:pPr algn="ctr"/>
+            <a:endParaRPr lang="en-US"/>
+          </a:p>
+        </p:txBody>
+      </p:sp>
+      <p:cxnSp>
+        <p:nvCxnSpPr>
+          <p:cNvPr id="20" name="Straight Arrow Connector 19"/>
+          <p:cNvCxnSpPr>
+            <a:stCxn id="5" idx="4"/>
+            <a:endCxn id="30" idx="0"/>
+          </p:cNvCxnSpPr>
+          <p:nvPr/>
+        </p:nvCxnSpPr>
+        <p:spPr>
+          <a:xfrm flipH="1">
+            <a:off x="1581858" y="1148070"/>
+            <a:ext cx="3589" cy="310456"/>
+          </a:xfrm>
+          <a:prstGeom prst="straightConnector1">
+            <a:avLst/>
+          </a:prstGeom>
+          <a:ln>
+            <a:solidFill>
+              <a:schemeClr val="tx1"/>
+            </a:solidFill>
+            <a:tailEnd type="arrow"/>
+          </a:ln>
+          <a:effectLst/>
+        </p:spPr>
+        <p:style>
+          <a:lnRef idx="2">
+            <a:schemeClr val="accent1"/>
+          </a:lnRef>
+          <a:fillRef idx="0">
+            <a:schemeClr val="accent1"/>
+          </a:fillRef>
+          <a:effectRef idx="1">
+            <a:schemeClr val="accent1"/>
+          </a:effectRef>
+          <a:fontRef idx="minor">
+            <a:schemeClr val="tx1"/>
+          </a:fontRef>
+        </p:style>
+      </p:cxnSp>
+      <p:sp>
+        <p:nvSpPr>
+          <p:cNvPr id="30" name="Rounded Rectangle 29"/>
+          <p:cNvSpPr/>
+          <p:nvPr/>
+        </p:nvSpPr>
+        <p:spPr>
+          <a:xfrm>
+            <a:off x="669083" y="1458526"/>
+            <a:ext cx="1825550" cy="889000"/>
+          </a:xfrm>
+          <a:prstGeom prst="roundRect">
+            <a:avLst/>
+          </a:prstGeom>
+          <a:solidFill>
+            <a:schemeClr val="bg1"/>
+          </a:solidFill>
+          <a:ln>
+            <a:solidFill>
+              <a:schemeClr val="tx1"/>
+            </a:solidFill>
+          </a:ln>
+          <a:effectLst/>
+        </p:spPr>
+        <p:style>
+          <a:lnRef idx="1">
+            <a:schemeClr val="accent1"/>
+          </a:lnRef>
+          <a:fillRef idx="3">
+            <a:schemeClr val="accent1"/>
+          </a:fillRef>
+          <a:effectRef idx="2">
+            <a:schemeClr val="accent1"/>
+          </a:effectRef>
+          <a:fontRef idx="minor">
+            <a:schemeClr val="lt1"/>
+          </a:fontRef>
+        </p:style>
+        <p:txBody>
+          <a:bodyPr rtlCol="0" anchor="ctr"/>
+          <a:lstStyle/>
+          <a:p>
+            <a:pPr algn="ctr"/>
+            <a:r>
+              <a:rPr lang="en-US" sz="1400" dirty="0" smtClean="0">
+                <a:solidFill>
+                  <a:schemeClr val="tx1"/>
+                </a:solidFill>
+              </a:rPr>
+              <a:t>Select an activity lin</a:t>
+            </a:r>
+            <a:r>
+              <a:rPr lang="en-US" sz="1400" dirty="0" smtClean="0">
+                <a:solidFill>
+                  <a:schemeClr val="tx1"/>
+                </a:solidFill>
+              </a:rPr>
+              <a:t>k in the notification page.</a:t>
+            </a:r>
+            <a:endParaRPr lang="en-US" sz="1400" dirty="0">
+              <a:solidFill>
+                <a:schemeClr val="tx1"/>
+              </a:solidFill>
+            </a:endParaRPr>
+          </a:p>
+        </p:txBody>
+      </p:sp>
+      <p:sp>
+        <p:nvSpPr>
+          <p:cNvPr id="67" name="Oval 66"/>
+          <p:cNvSpPr/>
+          <p:nvPr/>
+        </p:nvSpPr>
+        <p:spPr>
+          <a:xfrm>
+            <a:off x="1302747" y="7454036"/>
+            <a:ext cx="590939" cy="590939"/>
+          </a:xfrm>
+          <a:prstGeom prst="ellipse">
+            <a:avLst/>
+          </a:prstGeom>
+          <a:solidFill>
+            <a:schemeClr val="bg1"/>
+          </a:solidFill>
+          <a:ln>
+            <a:solidFill>
+              <a:schemeClr val="tx1"/>
+            </a:solidFill>
+          </a:ln>
+          <a:effectLst/>
+        </p:spPr>
+        <p:style>
+          <a:lnRef idx="1">
+            <a:schemeClr val="accent1"/>
+          </a:lnRef>
+          <a:fillRef idx="3">
+            <a:schemeClr val="accent1"/>
+          </a:fillRef>
+          <a:effectRef idx="2">
+            <a:schemeClr val="accent1"/>
+          </a:effectRef>
+          <a:fontRef idx="minor">
+            <a:schemeClr val="lt1"/>
+          </a:fontRef>
+        </p:style>
+        <p:txBody>
+          <a:bodyPr rtlCol="0" anchor="ctr"/>
+          <a:lstStyle/>
+          <a:p>
+            <a:pPr algn="ctr"/>
+            <a:endParaRPr lang="en-US"/>
+          </a:p>
+        </p:txBody>
+      </p:sp>
+      <p:sp>
+        <p:nvSpPr>
+          <p:cNvPr id="68" name="Oval 67"/>
+          <p:cNvSpPr/>
+          <p:nvPr/>
+        </p:nvSpPr>
+        <p:spPr>
+          <a:xfrm>
+            <a:off x="1436541" y="7581185"/>
+            <a:ext cx="315402" cy="315402"/>
+          </a:xfrm>
+          <a:prstGeom prst="ellipse">
+            <a:avLst/>
+          </a:prstGeom>
+          <a:solidFill>
+            <a:schemeClr val="tx1"/>
+          </a:solidFill>
+          <a:ln>
+            <a:noFill/>
+          </a:ln>
+          <a:effectLst/>
+        </p:spPr>
+        <p:style>
+          <a:lnRef idx="1">
+            <a:schemeClr val="accent1"/>
+          </a:lnRef>
+          <a:fillRef idx="3">
+            <a:schemeClr val="accent1"/>
+          </a:fillRef>
+          <a:effectRef idx="2">
+            <a:schemeClr val="accent1"/>
+          </a:effectRef>
+          <a:fontRef idx="minor">
+            <a:schemeClr val="lt1"/>
+          </a:fontRef>
+        </p:style>
+        <p:txBody>
+          <a:bodyPr rtlCol="0" anchor="ctr"/>
+          <a:lstStyle/>
+          <a:p>
+            <a:pPr algn="ctr"/>
+            <a:endParaRPr lang="en-US"/>
+          </a:p>
+        </p:txBody>
+      </p:sp>
+      <p:cxnSp>
+        <p:nvCxnSpPr>
+          <p:cNvPr id="70" name="Straight Arrow Connector 69"/>
+          <p:cNvCxnSpPr>
+            <a:stCxn id="30" idx="2"/>
+            <a:endCxn id="12" idx="0"/>
+          </p:cNvCxnSpPr>
+          <p:nvPr/>
+        </p:nvCxnSpPr>
+        <p:spPr>
+          <a:xfrm>
+            <a:off x="1581858" y="2347526"/>
+            <a:ext cx="0" cy="488105"/>
+          </a:xfrm>
+          <a:prstGeom prst="straightConnector1">
+            <a:avLst/>
+          </a:prstGeom>
+          <a:ln>
+            <a:solidFill>
+              <a:schemeClr val="tx1"/>
+            </a:solidFill>
+            <a:tailEnd type="arrow"/>
+          </a:ln>
+          <a:effectLst/>
+        </p:spPr>
+        <p:style>
+          <a:lnRef idx="2">
+            <a:schemeClr val="accent1"/>
+          </a:lnRef>
+          <a:fillRef idx="0">
+            <a:schemeClr val="accent1"/>
+          </a:fillRef>
+          <a:effectRef idx="1">
+            <a:schemeClr val="accent1"/>
+          </a:effectRef>
+          <a:fontRef idx="minor">
+            <a:schemeClr val="tx1"/>
+          </a:fontRef>
+        </p:style>
+      </p:cxnSp>
+      <p:cxnSp>
+        <p:nvCxnSpPr>
+          <p:cNvPr id="35" name="Straight Arrow Connector 34"/>
+          <p:cNvCxnSpPr>
+            <a:stCxn id="28" idx="2"/>
+            <a:endCxn id="67" idx="0"/>
+          </p:cNvCxnSpPr>
+          <p:nvPr/>
+        </p:nvCxnSpPr>
+        <p:spPr>
+          <a:xfrm>
+            <a:off x="1593011" y="6630757"/>
+            <a:ext cx="5206" cy="823279"/>
+          </a:xfrm>
+          <a:prstGeom prst="straightConnector1">
+            <a:avLst/>
+          </a:prstGeom>
+          <a:ln>
+            <a:solidFill>
+              <a:schemeClr val="tx1"/>
+            </a:solidFill>
+            <a:tailEnd type="arrow"/>
+          </a:ln>
+          <a:effectLst/>
+        </p:spPr>
+        <p:style>
+          <a:lnRef idx="2">
+            <a:schemeClr val="accent1"/>
+          </a:lnRef>
+          <a:fillRef idx="0">
+            <a:schemeClr val="accent1"/>
+          </a:fillRef>
+          <a:effectRef idx="1">
+            <a:schemeClr val="accent1"/>
+          </a:effectRef>
+          <a:fontRef idx="minor">
+            <a:schemeClr val="tx1"/>
+          </a:fontRef>
+        </p:style>
+      </p:cxnSp>
+      <p:sp>
+        <p:nvSpPr>
+          <p:cNvPr id="12" name="Rounded Rectangle 11"/>
+          <p:cNvSpPr/>
+          <p:nvPr/>
+        </p:nvSpPr>
+        <p:spPr>
+          <a:xfrm>
+            <a:off x="530511" y="2835631"/>
+            <a:ext cx="2102693" cy="748598"/>
+          </a:xfrm>
+          <a:prstGeom prst="roundRect">
+            <a:avLst/>
+          </a:prstGeom>
+          <a:solidFill>
+            <a:schemeClr val="bg1"/>
+          </a:solidFill>
+          <a:ln>
+            <a:solidFill>
+              <a:schemeClr val="tx1"/>
+            </a:solidFill>
+          </a:ln>
+          <a:effectLst/>
+        </p:spPr>
+        <p:style>
+          <a:lnRef idx="1">
+            <a:schemeClr val="accent1"/>
+          </a:lnRef>
+          <a:fillRef idx="3">
+            <a:schemeClr val="accent1"/>
+          </a:fillRef>
+          <a:effectRef idx="2">
+            <a:schemeClr val="accent1"/>
+          </a:effectRef>
+          <a:fontRef idx="minor">
+            <a:schemeClr val="lt1"/>
+          </a:fontRef>
+        </p:style>
+        <p:txBody>
+          <a:bodyPr rtlCol="0" anchor="ctr"/>
+          <a:lstStyle/>
+          <a:p>
+            <a:pPr lvl="0" algn="ctr"/>
+            <a:r>
+              <a:rPr lang="en-US" sz="1400" dirty="0">
+                <a:solidFill>
+                  <a:schemeClr val="tx1"/>
+                </a:solidFill>
+              </a:rPr>
+              <a:t>System </a:t>
+            </a:r>
+            <a:r>
+              <a:rPr lang="en-US" sz="1400" dirty="0" smtClean="0">
+                <a:solidFill>
+                  <a:schemeClr val="tx1"/>
+                </a:solidFill>
+              </a:rPr>
+              <a:t>checks </a:t>
+            </a:r>
+            <a:r>
+              <a:rPr lang="en-US" sz="1400" dirty="0" smtClean="0">
+                <a:solidFill>
+                  <a:schemeClr val="tx1"/>
+                </a:solidFill>
+              </a:rPr>
+              <a:t>type of the new activity</a:t>
+            </a:r>
+            <a:endParaRPr lang="en-US" sz="1400" dirty="0">
+              <a:solidFill>
+                <a:schemeClr val="tx1"/>
+              </a:solidFill>
+            </a:endParaRPr>
+          </a:p>
+        </p:txBody>
+      </p:sp>
+      <p:cxnSp>
+        <p:nvCxnSpPr>
+          <p:cNvPr id="14" name="Straight Arrow Connector 13"/>
+          <p:cNvCxnSpPr>
+            <a:stCxn id="12" idx="2"/>
+            <a:endCxn id="21" idx="0"/>
+          </p:cNvCxnSpPr>
+          <p:nvPr/>
+        </p:nvCxnSpPr>
+        <p:spPr>
+          <a:xfrm>
+            <a:off x="1581858" y="3584229"/>
+            <a:ext cx="0" cy="486537"/>
+          </a:xfrm>
+          <a:prstGeom prst="straightConnector1">
+            <a:avLst/>
+          </a:prstGeom>
+          <a:ln>
+            <a:solidFill>
+              <a:schemeClr val="tx1"/>
+            </a:solidFill>
+            <a:tailEnd type="arrow"/>
+          </a:ln>
+          <a:effectLst/>
+        </p:spPr>
+        <p:style>
+          <a:lnRef idx="2">
+            <a:schemeClr val="accent1"/>
+          </a:lnRef>
+          <a:fillRef idx="0">
+            <a:schemeClr val="accent1"/>
+          </a:fillRef>
+          <a:effectRef idx="1">
+            <a:schemeClr val="accent1"/>
+          </a:effectRef>
+          <a:fontRef idx="minor">
+            <a:schemeClr val="tx1"/>
+          </a:fontRef>
+        </p:style>
+      </p:cxnSp>
+      <p:sp>
+        <p:nvSpPr>
+          <p:cNvPr id="21" name="Decision 20"/>
+          <p:cNvSpPr/>
+          <p:nvPr/>
+        </p:nvSpPr>
+        <p:spPr>
+          <a:xfrm>
+            <a:off x="1007223" y="4070766"/>
+            <a:ext cx="1149270" cy="724143"/>
+          </a:xfrm>
+          <a:prstGeom prst="flowChartDecision">
+            <a:avLst/>
+          </a:prstGeom>
+          <a:solidFill>
+            <a:schemeClr val="bg1"/>
+          </a:solidFill>
+          <a:ln>
+            <a:solidFill>
+              <a:schemeClr val="tx1"/>
+            </a:solidFill>
+          </a:ln>
+          <a:effectLst/>
+        </p:spPr>
+        <p:style>
+          <a:lnRef idx="1">
+            <a:schemeClr val="accent1"/>
+          </a:lnRef>
+          <a:fillRef idx="3">
+            <a:schemeClr val="accent1"/>
+          </a:fillRef>
+          <a:effectRef idx="2">
+            <a:schemeClr val="accent1"/>
+          </a:effectRef>
+          <a:fontRef idx="minor">
+            <a:schemeClr val="lt1"/>
+          </a:fontRef>
+        </p:style>
+        <p:txBody>
+          <a:bodyPr rtlCol="0" anchor="ctr"/>
+          <a:lstStyle/>
+          <a:p>
+            <a:pPr algn="ctr"/>
+            <a:r>
+              <a:rPr lang="en-US" sz="1400" dirty="0" smtClean="0">
+                <a:solidFill>
+                  <a:schemeClr val="tx1"/>
+                </a:solidFill>
+              </a:rPr>
+              <a:t>Like?</a:t>
+            </a:r>
+            <a:endParaRPr lang="en-US" sz="1400" dirty="0">
+              <a:solidFill>
+                <a:schemeClr val="tx1"/>
+              </a:solidFill>
+            </a:endParaRPr>
+          </a:p>
+        </p:txBody>
+      </p:sp>
+      <p:cxnSp>
+        <p:nvCxnSpPr>
+          <p:cNvPr id="23" name="Straight Arrow Connector 22"/>
+          <p:cNvCxnSpPr>
+            <a:stCxn id="21" idx="2"/>
+            <a:endCxn id="28" idx="0"/>
+          </p:cNvCxnSpPr>
+          <p:nvPr/>
+        </p:nvCxnSpPr>
+        <p:spPr>
+          <a:xfrm>
+            <a:off x="1581858" y="4794909"/>
+            <a:ext cx="11153" cy="1124225"/>
+          </a:xfrm>
+          <a:prstGeom prst="straightConnector1">
+            <a:avLst/>
+          </a:prstGeom>
+          <a:ln>
+            <a:solidFill>
+              <a:schemeClr val="tx1"/>
+            </a:solidFill>
+            <a:tailEnd type="arrow"/>
+          </a:ln>
+          <a:effectLst/>
+        </p:spPr>
+        <p:style>
+          <a:lnRef idx="2">
+            <a:schemeClr val="accent1"/>
+          </a:lnRef>
+          <a:fillRef idx="0">
+            <a:schemeClr val="accent1"/>
+          </a:fillRef>
+          <a:effectRef idx="1">
+            <a:schemeClr val="accent1"/>
+          </a:effectRef>
+          <a:fontRef idx="minor">
+            <a:schemeClr val="tx1"/>
+          </a:fontRef>
+        </p:style>
+      </p:cxnSp>
+      <p:sp>
+        <p:nvSpPr>
+          <p:cNvPr id="26" name="TextBox 25"/>
+          <p:cNvSpPr txBox="1"/>
+          <p:nvPr/>
+        </p:nvSpPr>
+        <p:spPr>
+          <a:xfrm>
+            <a:off x="1593011" y="4978443"/>
+            <a:ext cx="594812" cy="307777"/>
+          </a:xfrm>
+          <a:prstGeom prst="rect">
+            <a:avLst/>
+          </a:prstGeom>
+          <a:noFill/>
+        </p:spPr>
+        <p:txBody>
+          <a:bodyPr wrap="square" rtlCol="0">
+            <a:spAutoFit/>
+          </a:bodyPr>
+          <a:lstStyle/>
+          <a:p>
+            <a:r>
+              <a:rPr lang="en-US" sz="1400" dirty="0" smtClean="0"/>
+              <a:t>Yes</a:t>
+            </a:r>
+            <a:endParaRPr lang="en-US" sz="1400" dirty="0"/>
+          </a:p>
+        </p:txBody>
+      </p:sp>
+      <p:sp>
+        <p:nvSpPr>
+          <p:cNvPr id="27" name="TextBox 26"/>
+          <p:cNvSpPr txBox="1"/>
+          <p:nvPr/>
+        </p:nvSpPr>
+        <p:spPr>
+          <a:xfrm>
+            <a:off x="2428293" y="4125061"/>
+            <a:ext cx="432201" cy="307777"/>
+          </a:xfrm>
+          <a:prstGeom prst="rect">
+            <a:avLst/>
+          </a:prstGeom>
+          <a:noFill/>
+        </p:spPr>
+        <p:txBody>
+          <a:bodyPr wrap="square" rtlCol="0">
+            <a:spAutoFit/>
+          </a:bodyPr>
+          <a:lstStyle/>
+          <a:p>
+            <a:r>
+              <a:rPr lang="en-US" sz="1400" dirty="0" smtClean="0"/>
+              <a:t>No</a:t>
+            </a:r>
+            <a:endParaRPr lang="en-US" sz="1400" dirty="0"/>
+          </a:p>
+        </p:txBody>
+      </p:sp>
+      <p:sp>
+        <p:nvSpPr>
+          <p:cNvPr id="28" name="Rounded Rectangle 27"/>
+          <p:cNvSpPr/>
+          <p:nvPr/>
+        </p:nvSpPr>
+        <p:spPr>
+          <a:xfrm>
+            <a:off x="616010" y="5919134"/>
+            <a:ext cx="1954001" cy="711623"/>
+          </a:xfrm>
+          <a:prstGeom prst="roundRect">
+            <a:avLst/>
+          </a:prstGeom>
+          <a:solidFill>
+            <a:schemeClr val="bg1"/>
+          </a:solidFill>
+          <a:ln>
+            <a:solidFill>
+              <a:schemeClr val="tx1"/>
+            </a:solidFill>
+          </a:ln>
+          <a:effectLst/>
+        </p:spPr>
+        <p:style>
+          <a:lnRef idx="1">
+            <a:schemeClr val="accent1"/>
+          </a:lnRef>
+          <a:fillRef idx="3">
+            <a:schemeClr val="accent1"/>
+          </a:fillRef>
+          <a:effectRef idx="2">
+            <a:schemeClr val="accent1"/>
+          </a:effectRef>
+          <a:fontRef idx="minor">
+            <a:schemeClr val="lt1"/>
+          </a:fontRef>
+        </p:style>
+        <p:txBody>
+          <a:bodyPr rtlCol="0" anchor="ctr"/>
+          <a:lstStyle/>
+          <a:p>
+            <a:pPr algn="ctr"/>
+            <a:r>
+              <a:rPr lang="en-US" sz="1400" dirty="0" smtClean="0">
+                <a:solidFill>
+                  <a:schemeClr val="tx1"/>
+                </a:solidFill>
+              </a:rPr>
+              <a:t>Goes to tutorial detail page</a:t>
+            </a:r>
+            <a:endParaRPr lang="en-US" sz="1400" dirty="0">
+              <a:solidFill>
+                <a:schemeClr val="tx1"/>
+              </a:solidFill>
+            </a:endParaRPr>
+          </a:p>
+        </p:txBody>
+      </p:sp>
+      <p:sp>
+        <p:nvSpPr>
+          <p:cNvPr id="40" name="Decision 39"/>
+          <p:cNvSpPr/>
+          <p:nvPr/>
+        </p:nvSpPr>
+        <p:spPr>
+          <a:xfrm>
+            <a:off x="2644394" y="4779901"/>
+            <a:ext cx="1771247" cy="1012638"/>
+          </a:xfrm>
+          <a:prstGeom prst="flowChartDecision">
+            <a:avLst/>
+          </a:prstGeom>
+          <a:solidFill>
+            <a:schemeClr val="bg1"/>
+          </a:solidFill>
+          <a:ln>
+            <a:solidFill>
+              <a:schemeClr val="tx1"/>
+            </a:solidFill>
+          </a:ln>
+          <a:effectLst/>
+        </p:spPr>
+        <p:style>
+          <a:lnRef idx="1">
+            <a:schemeClr val="accent1"/>
+          </a:lnRef>
+          <a:fillRef idx="3">
+            <a:schemeClr val="accent1"/>
+          </a:fillRef>
+          <a:effectRef idx="2">
+            <a:schemeClr val="accent1"/>
+          </a:effectRef>
+          <a:fontRef idx="minor">
+            <a:schemeClr val="lt1"/>
+          </a:fontRef>
+        </p:style>
+        <p:txBody>
+          <a:bodyPr rtlCol="0" anchor="ctr"/>
+          <a:lstStyle/>
+          <a:p>
+            <a:pPr algn="ctr"/>
+            <a:r>
+              <a:rPr lang="en-US" sz="1300" dirty="0">
+                <a:solidFill>
+                  <a:schemeClr val="tx1"/>
+                </a:solidFill>
+              </a:rPr>
+              <a:t>c</a:t>
+            </a:r>
+            <a:r>
+              <a:rPr lang="en-US" sz="1300" dirty="0" smtClean="0">
+                <a:solidFill>
+                  <a:schemeClr val="tx1"/>
+                </a:solidFill>
+              </a:rPr>
+              <a:t>omment?</a:t>
+            </a:r>
+            <a:endParaRPr lang="en-US" sz="1300" dirty="0">
+              <a:solidFill>
+                <a:schemeClr val="tx1"/>
+              </a:solidFill>
+            </a:endParaRPr>
+          </a:p>
+        </p:txBody>
+      </p:sp>
+      <p:sp>
+        <p:nvSpPr>
+          <p:cNvPr id="42" name="TextBox 41"/>
+          <p:cNvSpPr txBox="1"/>
+          <p:nvPr/>
+        </p:nvSpPr>
+        <p:spPr>
+          <a:xfrm>
+            <a:off x="4609440" y="4978445"/>
+            <a:ext cx="432201" cy="307777"/>
+          </a:xfrm>
+          <a:prstGeom prst="rect">
+            <a:avLst/>
+          </a:prstGeom>
+          <a:noFill/>
+        </p:spPr>
+        <p:txBody>
+          <a:bodyPr wrap="square" rtlCol="0">
+            <a:spAutoFit/>
+          </a:bodyPr>
+          <a:lstStyle/>
+          <a:p>
+            <a:r>
+              <a:rPr lang="en-US" sz="1400" dirty="0" smtClean="0"/>
+              <a:t>No</a:t>
+            </a:r>
+            <a:endParaRPr lang="en-US" sz="1400" dirty="0"/>
+          </a:p>
+        </p:txBody>
+      </p:sp>
+      <p:sp>
+        <p:nvSpPr>
+          <p:cNvPr id="45" name="Decision 44"/>
+          <p:cNvSpPr/>
+          <p:nvPr/>
+        </p:nvSpPr>
+        <p:spPr>
+          <a:xfrm>
+            <a:off x="4609440" y="5633283"/>
+            <a:ext cx="1510456" cy="724143"/>
+          </a:xfrm>
+          <a:prstGeom prst="flowChartDecision">
+            <a:avLst/>
+          </a:prstGeom>
+          <a:solidFill>
+            <a:schemeClr val="bg1"/>
+          </a:solidFill>
+          <a:ln>
+            <a:solidFill>
+              <a:schemeClr val="tx1"/>
+            </a:solidFill>
+          </a:ln>
+          <a:effectLst/>
+        </p:spPr>
+        <p:style>
+          <a:lnRef idx="1">
+            <a:schemeClr val="accent1"/>
+          </a:lnRef>
+          <a:fillRef idx="3">
+            <a:schemeClr val="accent1"/>
+          </a:fillRef>
+          <a:effectRef idx="2">
+            <a:schemeClr val="accent1"/>
+          </a:effectRef>
+          <a:fontRef idx="minor">
+            <a:schemeClr val="lt1"/>
+          </a:fontRef>
+        </p:style>
+        <p:txBody>
+          <a:bodyPr rtlCol="0" anchor="ctr"/>
+          <a:lstStyle/>
+          <a:p>
+            <a:pPr algn="ctr"/>
+            <a:r>
+              <a:rPr lang="en-US" sz="1400" dirty="0" smtClean="0">
+                <a:solidFill>
+                  <a:schemeClr val="tx1"/>
+                </a:solidFill>
+              </a:rPr>
+              <a:t>Follow?</a:t>
+            </a:r>
+            <a:endParaRPr lang="en-US" sz="1400" dirty="0">
+              <a:solidFill>
+                <a:schemeClr val="tx1"/>
+              </a:solidFill>
+            </a:endParaRPr>
+          </a:p>
+        </p:txBody>
+      </p:sp>
+      <p:cxnSp>
+        <p:nvCxnSpPr>
+          <p:cNvPr id="46" name="Straight Connector 45"/>
+          <p:cNvCxnSpPr/>
+          <p:nvPr/>
+        </p:nvCxnSpPr>
+        <p:spPr>
+          <a:xfrm flipH="1">
+            <a:off x="2156495" y="4432840"/>
+            <a:ext cx="1362333" cy="0"/>
+          </a:xfrm>
+          <a:prstGeom prst="line">
+            <a:avLst/>
+          </a:prstGeom>
+          <a:ln>
+            <a:solidFill>
+              <a:schemeClr val="tx1"/>
+            </a:solidFill>
+          </a:ln>
+          <a:effectLst/>
+        </p:spPr>
+        <p:style>
+          <a:lnRef idx="2">
+            <a:schemeClr val="accent1"/>
+          </a:lnRef>
+          <a:fillRef idx="0">
+            <a:schemeClr val="accent1"/>
+          </a:fillRef>
+          <a:effectRef idx="1">
+            <a:schemeClr val="accent1"/>
+          </a:effectRef>
+          <a:fontRef idx="minor">
+            <a:schemeClr val="tx1"/>
+          </a:fontRef>
+        </p:style>
+      </p:cxnSp>
+      <p:cxnSp>
+        <p:nvCxnSpPr>
+          <p:cNvPr id="50" name="Straight Arrow Connector 49"/>
+          <p:cNvCxnSpPr>
+            <a:endCxn id="40" idx="0"/>
+          </p:cNvCxnSpPr>
+          <p:nvPr/>
+        </p:nvCxnSpPr>
+        <p:spPr>
+          <a:xfrm>
+            <a:off x="3518828" y="4432838"/>
+            <a:ext cx="11190" cy="347063"/>
+          </a:xfrm>
+          <a:prstGeom prst="straightConnector1">
+            <a:avLst/>
+          </a:prstGeom>
+          <a:ln>
+            <a:solidFill>
+              <a:schemeClr val="tx1"/>
+            </a:solidFill>
+            <a:tailEnd type="arrow"/>
+          </a:ln>
+          <a:effectLst/>
+        </p:spPr>
+        <p:style>
+          <a:lnRef idx="2">
+            <a:schemeClr val="accent1"/>
+          </a:lnRef>
+          <a:fillRef idx="0">
+            <a:schemeClr val="accent1"/>
+          </a:fillRef>
+          <a:effectRef idx="1">
+            <a:schemeClr val="accent1"/>
+          </a:effectRef>
+          <a:fontRef idx="minor">
+            <a:schemeClr val="tx1"/>
+          </a:fontRef>
+        </p:style>
+      </p:cxnSp>
+      <p:cxnSp>
+        <p:nvCxnSpPr>
+          <p:cNvPr id="60" name="Straight Connector 59"/>
+          <p:cNvCxnSpPr/>
+          <p:nvPr/>
+        </p:nvCxnSpPr>
+        <p:spPr>
+          <a:xfrm flipH="1">
+            <a:off x="4397226" y="5286222"/>
+            <a:ext cx="956252" cy="0"/>
+          </a:xfrm>
+          <a:prstGeom prst="line">
+            <a:avLst/>
+          </a:prstGeom>
+          <a:ln>
+            <a:solidFill>
+              <a:schemeClr val="tx1"/>
+            </a:solidFill>
+          </a:ln>
+          <a:effectLst/>
+        </p:spPr>
+        <p:style>
+          <a:lnRef idx="2">
+            <a:schemeClr val="accent1"/>
+          </a:lnRef>
+          <a:fillRef idx="0">
+            <a:schemeClr val="accent1"/>
+          </a:fillRef>
+          <a:effectRef idx="1">
+            <a:schemeClr val="accent1"/>
+          </a:effectRef>
+          <a:fontRef idx="minor">
+            <a:schemeClr val="tx1"/>
+          </a:fontRef>
+        </p:style>
+      </p:cxnSp>
+      <p:cxnSp>
+        <p:nvCxnSpPr>
+          <p:cNvPr id="61" name="Straight Arrow Connector 60"/>
+          <p:cNvCxnSpPr/>
+          <p:nvPr/>
+        </p:nvCxnSpPr>
+        <p:spPr>
+          <a:xfrm>
+            <a:off x="5353478" y="5286220"/>
+            <a:ext cx="11190" cy="347063"/>
+          </a:xfrm>
+          <a:prstGeom prst="straightConnector1">
+            <a:avLst/>
+          </a:prstGeom>
+          <a:ln>
+            <a:solidFill>
+              <a:schemeClr val="tx1"/>
+            </a:solidFill>
+            <a:tailEnd type="arrow"/>
+          </a:ln>
+          <a:effectLst/>
+        </p:spPr>
+        <p:style>
+          <a:lnRef idx="2">
+            <a:schemeClr val="accent1"/>
+          </a:lnRef>
+          <a:fillRef idx="0">
+            <a:schemeClr val="accent1"/>
+          </a:fillRef>
+          <a:effectRef idx="1">
+            <a:schemeClr val="accent1"/>
+          </a:effectRef>
+          <a:fontRef idx="minor">
+            <a:schemeClr val="tx1"/>
+          </a:fontRef>
+        </p:style>
+      </p:cxnSp>
+      <p:sp>
+        <p:nvSpPr>
+          <p:cNvPr id="63" name="Rounded Rectangle 62"/>
+          <p:cNvSpPr/>
+          <p:nvPr/>
+        </p:nvSpPr>
+        <p:spPr>
+          <a:xfrm>
+            <a:off x="4592776" y="7380747"/>
+            <a:ext cx="1574040" cy="711623"/>
+          </a:xfrm>
+          <a:prstGeom prst="roundRect">
+            <a:avLst/>
+          </a:prstGeom>
+          <a:solidFill>
+            <a:schemeClr val="bg1"/>
+          </a:solidFill>
+          <a:ln>
+            <a:solidFill>
+              <a:schemeClr val="tx1"/>
+            </a:solidFill>
+          </a:ln>
+          <a:effectLst/>
+        </p:spPr>
+        <p:style>
+          <a:lnRef idx="1">
+            <a:schemeClr val="accent1"/>
+          </a:lnRef>
+          <a:fillRef idx="3">
+            <a:schemeClr val="accent1"/>
+          </a:fillRef>
+          <a:effectRef idx="2">
+            <a:schemeClr val="accent1"/>
+          </a:effectRef>
+          <a:fontRef idx="minor">
+            <a:schemeClr val="lt1"/>
+          </a:fontRef>
+        </p:style>
+        <p:txBody>
+          <a:bodyPr rtlCol="0" anchor="ctr"/>
+          <a:lstStyle/>
+          <a:p>
+            <a:pPr algn="ctr"/>
+            <a:r>
+              <a:rPr lang="en-US" sz="1400" dirty="0" smtClean="0">
+                <a:solidFill>
+                  <a:schemeClr val="tx1"/>
+                </a:solidFill>
+              </a:rPr>
+              <a:t>Goes to user’s profile page</a:t>
+            </a:r>
+            <a:endParaRPr lang="en-US" sz="1400" dirty="0">
+              <a:solidFill>
+                <a:schemeClr val="tx1"/>
+              </a:solidFill>
+            </a:endParaRPr>
+          </a:p>
+        </p:txBody>
+      </p:sp>
+      <p:cxnSp>
+        <p:nvCxnSpPr>
+          <p:cNvPr id="64" name="Straight Arrow Connector 63"/>
+          <p:cNvCxnSpPr>
+            <a:stCxn id="45" idx="2"/>
+            <a:endCxn id="63" idx="0"/>
+          </p:cNvCxnSpPr>
+          <p:nvPr/>
+        </p:nvCxnSpPr>
+        <p:spPr>
+          <a:xfrm>
+            <a:off x="5364668" y="6357426"/>
+            <a:ext cx="15128" cy="1023321"/>
+          </a:xfrm>
+          <a:prstGeom prst="straightConnector1">
+            <a:avLst/>
+          </a:prstGeom>
+          <a:ln>
+            <a:solidFill>
+              <a:schemeClr val="tx1"/>
+            </a:solidFill>
+            <a:tailEnd type="arrow"/>
+          </a:ln>
+          <a:effectLst/>
+        </p:spPr>
+        <p:style>
+          <a:lnRef idx="2">
+            <a:schemeClr val="accent1"/>
+          </a:lnRef>
+          <a:fillRef idx="0">
+            <a:schemeClr val="accent1"/>
+          </a:fillRef>
+          <a:effectRef idx="1">
+            <a:schemeClr val="accent1"/>
+          </a:effectRef>
+          <a:fontRef idx="minor">
+            <a:schemeClr val="tx1"/>
+          </a:fontRef>
+        </p:style>
+      </p:cxnSp>
+      <p:sp>
+        <p:nvSpPr>
+          <p:cNvPr id="71" name="TextBox 70"/>
+          <p:cNvSpPr txBox="1"/>
+          <p:nvPr/>
+        </p:nvSpPr>
+        <p:spPr>
+          <a:xfrm>
+            <a:off x="5397783" y="6357426"/>
+            <a:ext cx="594812" cy="307777"/>
+          </a:xfrm>
+          <a:prstGeom prst="rect">
+            <a:avLst/>
+          </a:prstGeom>
+          <a:noFill/>
+        </p:spPr>
+        <p:txBody>
+          <a:bodyPr wrap="square" rtlCol="0">
+            <a:spAutoFit/>
+          </a:bodyPr>
+          <a:lstStyle/>
+          <a:p>
+            <a:r>
+              <a:rPr lang="en-US" sz="1400" dirty="0" smtClean="0"/>
+              <a:t>Yes</a:t>
+            </a:r>
+            <a:endParaRPr lang="en-US" sz="1400" dirty="0"/>
+          </a:p>
+        </p:txBody>
+      </p:sp>
+      <p:cxnSp>
+        <p:nvCxnSpPr>
+          <p:cNvPr id="72" name="Straight Connector 71"/>
+          <p:cNvCxnSpPr/>
+          <p:nvPr/>
+        </p:nvCxnSpPr>
+        <p:spPr>
+          <a:xfrm flipH="1">
+            <a:off x="6119897" y="5993505"/>
+            <a:ext cx="305023" cy="0"/>
+          </a:xfrm>
+          <a:prstGeom prst="line">
+            <a:avLst/>
+          </a:prstGeom>
+          <a:ln>
+            <a:solidFill>
+              <a:schemeClr val="tx1"/>
+            </a:solidFill>
+          </a:ln>
+          <a:effectLst/>
+        </p:spPr>
+        <p:style>
+          <a:lnRef idx="2">
+            <a:schemeClr val="accent1"/>
+          </a:lnRef>
+          <a:fillRef idx="0">
+            <a:schemeClr val="accent1"/>
+          </a:fillRef>
+          <a:effectRef idx="1">
+            <a:schemeClr val="accent1"/>
+          </a:effectRef>
+          <a:fontRef idx="minor">
+            <a:schemeClr val="tx1"/>
+          </a:fontRef>
+        </p:style>
+      </p:cxnSp>
+      <p:cxnSp>
+        <p:nvCxnSpPr>
+          <p:cNvPr id="73" name="Straight Arrow Connector 72"/>
+          <p:cNvCxnSpPr>
+            <a:stCxn id="63" idx="1"/>
+            <a:endCxn id="67" idx="6"/>
+          </p:cNvCxnSpPr>
+          <p:nvPr/>
+        </p:nvCxnSpPr>
+        <p:spPr>
+          <a:xfrm flipH="1">
+            <a:off x="1893686" y="7736559"/>
+            <a:ext cx="2699090" cy="12947"/>
+          </a:xfrm>
+          <a:prstGeom prst="straightConnector1">
+            <a:avLst/>
+          </a:prstGeom>
+          <a:ln>
+            <a:solidFill>
+              <a:schemeClr val="tx1"/>
+            </a:solidFill>
+            <a:tailEnd type="arrow"/>
+          </a:ln>
+          <a:effectLst/>
+        </p:spPr>
+        <p:style>
+          <a:lnRef idx="2">
+            <a:schemeClr val="accent1"/>
+          </a:lnRef>
+          <a:fillRef idx="0">
+            <a:schemeClr val="accent1"/>
+          </a:fillRef>
+          <a:effectRef idx="1">
+            <a:schemeClr val="accent1"/>
+          </a:effectRef>
+          <a:fontRef idx="minor">
+            <a:schemeClr val="tx1"/>
+          </a:fontRef>
+        </p:style>
+      </p:cxnSp>
+      <p:cxnSp>
+        <p:nvCxnSpPr>
+          <p:cNvPr id="75" name="Straight Arrow Connector 74"/>
+          <p:cNvCxnSpPr>
+            <a:endCxn id="12" idx="3"/>
+          </p:cNvCxnSpPr>
+          <p:nvPr/>
+        </p:nvCxnSpPr>
+        <p:spPr>
+          <a:xfrm flipH="1">
+            <a:off x="2633204" y="3209930"/>
+            <a:ext cx="3791716" cy="0"/>
+          </a:xfrm>
+          <a:prstGeom prst="straightConnector1">
+            <a:avLst/>
+          </a:prstGeom>
+          <a:ln>
+            <a:solidFill>
+              <a:schemeClr val="tx1"/>
+            </a:solidFill>
+            <a:tailEnd type="arrow"/>
+          </a:ln>
+          <a:effectLst/>
+        </p:spPr>
+        <p:style>
+          <a:lnRef idx="2">
+            <a:schemeClr val="accent1"/>
+          </a:lnRef>
+          <a:fillRef idx="0">
+            <a:schemeClr val="accent1"/>
+          </a:fillRef>
+          <a:effectRef idx="1">
+            <a:schemeClr val="accent1"/>
+          </a:effectRef>
+          <a:fontRef idx="minor">
+            <a:schemeClr val="tx1"/>
+          </a:fontRef>
+        </p:style>
+      </p:cxnSp>
+      <p:cxnSp>
+        <p:nvCxnSpPr>
+          <p:cNvPr id="79" name="Straight Connector 78"/>
+          <p:cNvCxnSpPr/>
+          <p:nvPr/>
+        </p:nvCxnSpPr>
+        <p:spPr>
+          <a:xfrm>
+            <a:off x="6424920" y="3209930"/>
+            <a:ext cx="0" cy="2783575"/>
+          </a:xfrm>
+          <a:prstGeom prst="line">
+            <a:avLst/>
+          </a:prstGeom>
+          <a:ln>
+            <a:solidFill>
+              <a:schemeClr val="tx1"/>
+            </a:solidFill>
+          </a:ln>
+          <a:effectLst/>
+        </p:spPr>
+        <p:style>
+          <a:lnRef idx="2">
+            <a:schemeClr val="accent1"/>
+          </a:lnRef>
+          <a:fillRef idx="0">
+            <a:schemeClr val="accent1"/>
+          </a:fillRef>
+          <a:effectRef idx="1">
+            <a:schemeClr val="accent1"/>
+          </a:effectRef>
+          <a:fontRef idx="minor">
+            <a:schemeClr val="tx1"/>
+          </a:fontRef>
+        </p:style>
+      </p:cxnSp>
+      <p:sp>
+        <p:nvSpPr>
+          <p:cNvPr id="82" name="TextBox 81"/>
+          <p:cNvSpPr txBox="1"/>
+          <p:nvPr/>
+        </p:nvSpPr>
+        <p:spPr>
+          <a:xfrm>
+            <a:off x="3518828" y="5839616"/>
+            <a:ext cx="594812" cy="307777"/>
+          </a:xfrm>
+          <a:prstGeom prst="rect">
+            <a:avLst/>
+          </a:prstGeom>
+          <a:noFill/>
+        </p:spPr>
+        <p:txBody>
+          <a:bodyPr wrap="square" rtlCol="0">
+            <a:spAutoFit/>
+          </a:bodyPr>
+          <a:lstStyle/>
+          <a:p>
+            <a:r>
+              <a:rPr lang="en-US" sz="1400" dirty="0" smtClean="0"/>
+              <a:t>Yes</a:t>
+            </a:r>
+            <a:endParaRPr lang="en-US" sz="1400" dirty="0"/>
+          </a:p>
+        </p:txBody>
+      </p:sp>
+      <p:sp>
+        <p:nvSpPr>
+          <p:cNvPr id="83" name="TextBox 82"/>
+          <p:cNvSpPr txBox="1"/>
+          <p:nvPr/>
+        </p:nvSpPr>
+        <p:spPr>
+          <a:xfrm>
+            <a:off x="6051211" y="5683601"/>
+            <a:ext cx="432201" cy="307777"/>
+          </a:xfrm>
+          <a:prstGeom prst="rect">
+            <a:avLst/>
+          </a:prstGeom>
+          <a:noFill/>
+        </p:spPr>
+        <p:txBody>
+          <a:bodyPr wrap="square" rtlCol="0">
+            <a:spAutoFit/>
+          </a:bodyPr>
+          <a:lstStyle/>
+          <a:p>
+            <a:r>
+              <a:rPr lang="en-US" sz="1400" dirty="0" smtClean="0"/>
+              <a:t>No</a:t>
+            </a:r>
+            <a:endParaRPr lang="en-US" sz="1400" dirty="0"/>
+          </a:p>
+        </p:txBody>
+      </p:sp>
+      <p:cxnSp>
+        <p:nvCxnSpPr>
+          <p:cNvPr id="84" name="Straight Connector 83"/>
+          <p:cNvCxnSpPr>
+            <a:stCxn id="40" idx="2"/>
+          </p:cNvCxnSpPr>
+          <p:nvPr/>
+        </p:nvCxnSpPr>
+        <p:spPr>
+          <a:xfrm>
+            <a:off x="3530018" y="5792539"/>
+            <a:ext cx="0" cy="482407"/>
+          </a:xfrm>
+          <a:prstGeom prst="line">
+            <a:avLst/>
+          </a:prstGeom>
+          <a:ln>
+            <a:solidFill>
+              <a:schemeClr val="tx1"/>
+            </a:solidFill>
+          </a:ln>
+          <a:effectLst/>
+        </p:spPr>
+        <p:style>
+          <a:lnRef idx="2">
+            <a:schemeClr val="accent1"/>
+          </a:lnRef>
+          <a:fillRef idx="0">
+            <a:schemeClr val="accent1"/>
+          </a:fillRef>
+          <a:effectRef idx="1">
+            <a:schemeClr val="accent1"/>
+          </a:effectRef>
+          <a:fontRef idx="minor">
+            <a:schemeClr val="tx1"/>
+          </a:fontRef>
+        </p:style>
+      </p:cxnSp>
+      <p:cxnSp>
+        <p:nvCxnSpPr>
+          <p:cNvPr id="88" name="Straight Arrow Connector 87"/>
+          <p:cNvCxnSpPr>
+            <a:endCxn id="28" idx="3"/>
+          </p:cNvCxnSpPr>
+          <p:nvPr/>
+        </p:nvCxnSpPr>
+        <p:spPr>
+          <a:xfrm flipH="1">
+            <a:off x="2570011" y="6274946"/>
+            <a:ext cx="960007" cy="0"/>
+          </a:xfrm>
+          <a:prstGeom prst="straightConnector1">
+            <a:avLst/>
+          </a:prstGeom>
+          <a:ln>
+            <a:solidFill>
+              <a:schemeClr val="tx1"/>
+            </a:solidFill>
+            <a:tailEnd type="arrow"/>
+          </a:ln>
+          <a:effectLst/>
+        </p:spPr>
+        <p:style>
+          <a:lnRef idx="2">
+            <a:schemeClr val="accent1"/>
+          </a:lnRef>
+          <a:fillRef idx="0">
+            <a:schemeClr val="accent1"/>
+          </a:fillRef>
+          <a:effectRef idx="1">
+            <a:schemeClr val="accent1"/>
+          </a:effectRef>
+          <a:fontRef idx="minor">
+            <a:schemeClr val="tx1"/>
+          </a:fontRef>
+        </p:style>
+      </p:cxnSp>
+    </p:spTree>
+    <p:extLst>
+      <p:ext uri="{BB962C8B-B14F-4D97-AF65-F5344CB8AC3E}">
+        <p14:creationId xmlns:p14="http://schemas.microsoft.com/office/powerpoint/2010/main" val="1734975710"/>
       </p:ext>
     </p:extLst>
   </p:cSld>

--- a/SRS/AD mob.pptx
+++ b/SRS/AD mob.pptx
@@ -334,7 +334,7 @@
           <a:p>
             <a:fld id="{95C32E88-616F-C648-B3FA-694311D876FD}" type="datetimeFigureOut">
               <a:rPr lang="en-US" smtClean="0"/>
-              <a:t>11/24/14 </a:t>
+              <a:t>12/18/14 </a:t>
             </a:fld>
             <a:endParaRPr lang="en-US"/>
           </a:p>
@@ -504,7 +504,7 @@
           <a:p>
             <a:fld id="{95C32E88-616F-C648-B3FA-694311D876FD}" type="datetimeFigureOut">
               <a:rPr lang="en-US" smtClean="0"/>
-              <a:t>11/24/14 </a:t>
+              <a:t>12/18/14 </a:t>
             </a:fld>
             <a:endParaRPr lang="en-US"/>
           </a:p>
@@ -684,7 +684,7 @@
           <a:p>
             <a:fld id="{95C32E88-616F-C648-B3FA-694311D876FD}" type="datetimeFigureOut">
               <a:rPr lang="en-US" smtClean="0"/>
-              <a:t>11/24/14 </a:t>
+              <a:t>12/18/14 </a:t>
             </a:fld>
             <a:endParaRPr lang="en-US"/>
           </a:p>
@@ -854,7 +854,7 @@
           <a:p>
             <a:fld id="{95C32E88-616F-C648-B3FA-694311D876FD}" type="datetimeFigureOut">
               <a:rPr lang="en-US" smtClean="0"/>
-              <a:t>11/24/14 </a:t>
+              <a:t>12/18/14 </a:t>
             </a:fld>
             <a:endParaRPr lang="en-US"/>
           </a:p>
@@ -1100,7 +1100,7 @@
           <a:p>
             <a:fld id="{95C32E88-616F-C648-B3FA-694311D876FD}" type="datetimeFigureOut">
               <a:rPr lang="en-US" smtClean="0"/>
-              <a:t>11/24/14 </a:t>
+              <a:t>12/18/14 </a:t>
             </a:fld>
             <a:endParaRPr lang="en-US"/>
           </a:p>
@@ -1388,7 +1388,7 @@
           <a:p>
             <a:fld id="{95C32E88-616F-C648-B3FA-694311D876FD}" type="datetimeFigureOut">
               <a:rPr lang="en-US" smtClean="0"/>
-              <a:t>11/24/14 </a:t>
+              <a:t>12/18/14 </a:t>
             </a:fld>
             <a:endParaRPr lang="en-US"/>
           </a:p>
@@ -1815,7 +1815,7 @@
           <a:p>
             <a:fld id="{95C32E88-616F-C648-B3FA-694311D876FD}" type="datetimeFigureOut">
               <a:rPr lang="en-US" smtClean="0"/>
-              <a:t>11/24/14 </a:t>
+              <a:t>12/18/14 </a:t>
             </a:fld>
             <a:endParaRPr lang="en-US"/>
           </a:p>
@@ -1933,7 +1933,7 @@
           <a:p>
             <a:fld id="{95C32E88-616F-C648-B3FA-694311D876FD}" type="datetimeFigureOut">
               <a:rPr lang="en-US" smtClean="0"/>
-              <a:t>11/24/14 </a:t>
+              <a:t>12/18/14 </a:t>
             </a:fld>
             <a:endParaRPr lang="en-US"/>
           </a:p>
@@ -2028,7 +2028,7 @@
           <a:p>
             <a:fld id="{95C32E88-616F-C648-B3FA-694311D876FD}" type="datetimeFigureOut">
               <a:rPr lang="en-US" smtClean="0"/>
-              <a:t>11/24/14 </a:t>
+              <a:t>12/18/14 </a:t>
             </a:fld>
             <a:endParaRPr lang="en-US"/>
           </a:p>
@@ -2305,7 +2305,7 @@
           <a:p>
             <a:fld id="{95C32E88-616F-C648-B3FA-694311D876FD}" type="datetimeFigureOut">
               <a:rPr lang="en-US" smtClean="0"/>
-              <a:t>11/24/14 </a:t>
+              <a:t>12/18/14 </a:t>
             </a:fld>
             <a:endParaRPr lang="en-US"/>
           </a:p>
@@ -2558,7 +2558,7 @@
           <a:p>
             <a:fld id="{95C32E88-616F-C648-B3FA-694311D876FD}" type="datetimeFigureOut">
               <a:rPr lang="en-US" smtClean="0"/>
-              <a:t>11/24/14 </a:t>
+              <a:t>12/18/14 </a:t>
             </a:fld>
             <a:endParaRPr lang="en-US"/>
           </a:p>
@@ -2771,7 +2771,7 @@
           <a:p>
             <a:fld id="{95C32E88-616F-C648-B3FA-694311D876FD}" type="datetimeFigureOut">
               <a:rPr lang="en-US" smtClean="0"/>
-              <a:t>11/24/14 </a:t>
+              <a:t>12/18/14 </a:t>
             </a:fld>
             <a:endParaRPr lang="en-US"/>
           </a:p>
@@ -10875,15 +10875,13 @@
       <p:cxnSp>
         <p:nvCxnSpPr>
           <p:cNvPr id="34" name="Straight Connector 33"/>
-          <p:cNvCxnSpPr>
-            <a:endCxn id="16" idx="2"/>
-          </p:cNvCxnSpPr>
+          <p:cNvCxnSpPr/>
           <p:nvPr/>
         </p:nvCxnSpPr>
         <p:spPr>
           <a:xfrm flipV="1">
-            <a:off x="4981257" y="5099755"/>
-            <a:ext cx="0" cy="3685147"/>
+            <a:off x="4981257" y="2874129"/>
+            <a:ext cx="0" cy="1652107"/>
           </a:xfrm>
           <a:prstGeom prst="line">
             <a:avLst/>
@@ -10913,15 +10911,13 @@
       <p:cxnSp>
         <p:nvCxnSpPr>
           <p:cNvPr id="35" name="Straight Arrow Connector 34"/>
-          <p:cNvCxnSpPr>
-            <a:endCxn id="30" idx="6"/>
-          </p:cNvCxnSpPr>
+          <p:cNvCxnSpPr/>
           <p:nvPr/>
         </p:nvCxnSpPr>
         <p:spPr>
           <a:xfrm flipH="1">
-            <a:off x="3380650" y="8801558"/>
-            <a:ext cx="1600607" cy="0"/>
+            <a:off x="3987867" y="2874129"/>
+            <a:ext cx="993390" cy="0"/>
           </a:xfrm>
           <a:prstGeom prst="straightConnector1">
             <a:avLst/>
@@ -22364,15 +22360,13 @@
       <p:cxnSp>
         <p:nvCxnSpPr>
           <p:cNvPr id="32" name="Straight Connector 31"/>
-          <p:cNvCxnSpPr>
-            <a:endCxn id="28" idx="2"/>
-          </p:cNvCxnSpPr>
+          <p:cNvCxnSpPr/>
           <p:nvPr/>
         </p:nvCxnSpPr>
         <p:spPr>
           <a:xfrm flipV="1">
-            <a:off x="5778643" y="5892096"/>
-            <a:ext cx="0" cy="2897123"/>
+            <a:off x="5778643" y="3481188"/>
+            <a:ext cx="0" cy="1837389"/>
           </a:xfrm>
           <a:prstGeom prst="line">
             <a:avLst/>
@@ -22402,15 +22396,13 @@
       <p:cxnSp>
         <p:nvCxnSpPr>
           <p:cNvPr id="33" name="Straight Arrow Connector 32"/>
-          <p:cNvCxnSpPr>
-            <a:endCxn id="6" idx="6"/>
-          </p:cNvCxnSpPr>
+          <p:cNvCxnSpPr/>
           <p:nvPr/>
         </p:nvCxnSpPr>
         <p:spPr>
           <a:xfrm flipH="1">
-            <a:off x="3780408" y="8789219"/>
-            <a:ext cx="1998235" cy="0"/>
+            <a:off x="4249372" y="3496871"/>
+            <a:ext cx="1529271" cy="0"/>
           </a:xfrm>
           <a:prstGeom prst="straightConnector1">
             <a:avLst/>
@@ -23527,7 +23519,7 @@
         <p:spPr>
           <a:xfrm flipV="1">
             <a:off x="5782248" y="5539790"/>
-            <a:ext cx="0" cy="2841176"/>
+            <a:ext cx="0" cy="1830142"/>
           </a:xfrm>
           <a:prstGeom prst="line">
             <a:avLst/>
@@ -23557,15 +23549,13 @@
       <p:cxnSp>
         <p:nvCxnSpPr>
           <p:cNvPr id="35" name="Straight Arrow Connector 34"/>
-          <p:cNvCxnSpPr>
-            <a:endCxn id="23" idx="6"/>
-          </p:cNvCxnSpPr>
+          <p:cNvCxnSpPr/>
           <p:nvPr/>
         </p:nvCxnSpPr>
         <p:spPr>
           <a:xfrm flipH="1">
-            <a:off x="3731845" y="8380966"/>
-            <a:ext cx="2050403" cy="0"/>
+            <a:off x="4403078" y="7369932"/>
+            <a:ext cx="1379170" cy="0"/>
           </a:xfrm>
           <a:prstGeom prst="straightConnector1">
             <a:avLst/>
@@ -23712,7 +23702,15 @@
                   <a:schemeClr val="tx1"/>
                 </a:solidFill>
               </a:rPr>
-              <a:t>Display the added comment on tutorial page</a:t>
+              <a:t>Display the </a:t>
+            </a:r>
+            <a:r>
+              <a:rPr lang="en-US" sz="1400" dirty="0" smtClean="0">
+                <a:solidFill>
+                  <a:schemeClr val="tx1"/>
+                </a:solidFill>
+              </a:rPr>
+              <a:t>updated like number of the tutorial</a:t>
             </a:r>
             <a:endParaRPr lang="en-US" sz="1400" dirty="0">
               <a:solidFill>
@@ -24642,7 +24640,7 @@
         <p:spPr>
           <a:xfrm flipV="1">
             <a:off x="5492978" y="5369628"/>
-            <a:ext cx="0" cy="2930304"/>
+            <a:ext cx="0" cy="1943929"/>
           </a:xfrm>
           <a:prstGeom prst="line">
             <a:avLst/>
@@ -24672,15 +24670,13 @@
       <p:cxnSp>
         <p:nvCxnSpPr>
           <p:cNvPr id="28" name="Straight Arrow Connector 27"/>
-          <p:cNvCxnSpPr>
-            <a:endCxn id="16" idx="6"/>
-          </p:cNvCxnSpPr>
+          <p:cNvCxnSpPr/>
           <p:nvPr/>
         </p:nvCxnSpPr>
         <p:spPr>
           <a:xfrm flipH="1">
-            <a:off x="3494743" y="8299932"/>
-            <a:ext cx="1998235" cy="0"/>
+            <a:off x="4165976" y="7313557"/>
+            <a:ext cx="1327002" cy="0"/>
           </a:xfrm>
           <a:prstGeom prst="straightConnector1">
             <a:avLst/>
@@ -24806,12 +24802,36 @@
           <a:p>
             <a:pPr algn="ctr"/>
             <a:r>
+              <a:rPr lang="en-US" sz="1400" dirty="0">
+                <a:solidFill>
+                  <a:schemeClr val="tx1"/>
+                </a:solidFill>
+              </a:rPr>
+              <a:t>Display the updated </a:t>
+            </a:r>
+            <a:r>
               <a:rPr lang="en-US" sz="1400" dirty="0" smtClean="0">
                 <a:solidFill>
                   <a:schemeClr val="tx1"/>
                 </a:solidFill>
               </a:rPr>
-              <a:t>Display the added comment on tutorial page</a:t>
+              <a:t>following </a:t>
+            </a:r>
+            <a:r>
+              <a:rPr lang="en-US" sz="1400" dirty="0">
+                <a:solidFill>
+                  <a:schemeClr val="tx1"/>
+                </a:solidFill>
+              </a:rPr>
+              <a:t>number of the </a:t>
+            </a:r>
+            <a:r>
+              <a:rPr lang="en-US" sz="1400" dirty="0" smtClean="0">
+                <a:solidFill>
+                  <a:schemeClr val="tx1"/>
+                </a:solidFill>
+              </a:rPr>
+              <a:t>user</a:t>
             </a:r>
             <a:endParaRPr lang="en-US" sz="1400" dirty="0">
               <a:solidFill>
@@ -27268,15 +27288,13 @@
       <p:cxnSp>
         <p:nvCxnSpPr>
           <p:cNvPr id="78" name="Straight Connector 77"/>
-          <p:cNvCxnSpPr>
-            <a:endCxn id="74" idx="2"/>
-          </p:cNvCxnSpPr>
+          <p:cNvCxnSpPr/>
           <p:nvPr/>
         </p:nvCxnSpPr>
         <p:spPr>
           <a:xfrm flipV="1">
-            <a:off x="5787156" y="5917031"/>
-            <a:ext cx="0" cy="2791288"/>
+            <a:off x="5792016" y="4479238"/>
+            <a:ext cx="0" cy="864273"/>
           </a:xfrm>
           <a:prstGeom prst="line">
             <a:avLst/>
@@ -27311,8 +27329,8 @@
         </p:nvCxnSpPr>
         <p:spPr>
           <a:xfrm flipH="1">
-            <a:off x="3788921" y="8708319"/>
-            <a:ext cx="1998235" cy="0"/>
+            <a:off x="4112623" y="4479238"/>
+            <a:ext cx="1674533" cy="0"/>
           </a:xfrm>
           <a:prstGeom prst="straightConnector1">
             <a:avLst/>
@@ -35033,174 +35051,158 @@
                   <a:schemeClr val="tx1"/>
                 </a:solidFill>
               </a:rPr>
-              <a:t>Go to </a:t>
-            </a:r>
+              <a:t>Go to notification page</a:t>
+            </a:r>
+            <a:endParaRPr lang="en-US" sz="1400" dirty="0">
+              <a:solidFill>
+                <a:schemeClr val="tx1"/>
+              </a:solidFill>
+            </a:endParaRPr>
+          </a:p>
+        </p:txBody>
+      </p:sp>
+      <p:sp>
+        <p:nvSpPr>
+          <p:cNvPr id="67" name="Oval 66"/>
+          <p:cNvSpPr/>
+          <p:nvPr/>
+        </p:nvSpPr>
+        <p:spPr>
+          <a:xfrm>
+            <a:off x="3127467" y="6887569"/>
+            <a:ext cx="590939" cy="590939"/>
+          </a:xfrm>
+          <a:prstGeom prst="ellipse">
+            <a:avLst/>
+          </a:prstGeom>
+          <a:solidFill>
+            <a:schemeClr val="bg1"/>
+          </a:solidFill>
+          <a:ln>
+            <a:solidFill>
+              <a:schemeClr val="tx1"/>
+            </a:solidFill>
+          </a:ln>
+          <a:effectLst/>
+        </p:spPr>
+        <p:style>
+          <a:lnRef idx="1">
+            <a:schemeClr val="accent1"/>
+          </a:lnRef>
+          <a:fillRef idx="3">
+            <a:schemeClr val="accent1"/>
+          </a:fillRef>
+          <a:effectRef idx="2">
+            <a:schemeClr val="accent1"/>
+          </a:effectRef>
+          <a:fontRef idx="minor">
+            <a:schemeClr val="lt1"/>
+          </a:fontRef>
+        </p:style>
+        <p:txBody>
+          <a:bodyPr rtlCol="0" anchor="ctr"/>
+          <a:lstStyle/>
+          <a:p>
+            <a:pPr algn="ctr"/>
+            <a:endParaRPr lang="en-US"/>
+          </a:p>
+        </p:txBody>
+      </p:sp>
+      <p:sp>
+        <p:nvSpPr>
+          <p:cNvPr id="68" name="Oval 67"/>
+          <p:cNvSpPr/>
+          <p:nvPr/>
+        </p:nvSpPr>
+        <p:spPr>
+          <a:xfrm>
+            <a:off x="3261261" y="7014718"/>
+            <a:ext cx="315402" cy="315402"/>
+          </a:xfrm>
+          <a:prstGeom prst="ellipse">
+            <a:avLst/>
+          </a:prstGeom>
+          <a:solidFill>
+            <a:schemeClr val="tx1"/>
+          </a:solidFill>
+          <a:ln>
+            <a:noFill/>
+          </a:ln>
+          <a:effectLst/>
+        </p:spPr>
+        <p:style>
+          <a:lnRef idx="1">
+            <a:schemeClr val="accent1"/>
+          </a:lnRef>
+          <a:fillRef idx="3">
+            <a:schemeClr val="accent1"/>
+          </a:fillRef>
+          <a:effectRef idx="2">
+            <a:schemeClr val="accent1"/>
+          </a:effectRef>
+          <a:fontRef idx="minor">
+            <a:schemeClr val="lt1"/>
+          </a:fontRef>
+        </p:style>
+        <p:txBody>
+          <a:bodyPr rtlCol="0" anchor="ctr"/>
+          <a:lstStyle/>
+          <a:p>
+            <a:pPr algn="ctr"/>
+            <a:endParaRPr lang="en-US"/>
+          </a:p>
+        </p:txBody>
+      </p:sp>
+      <p:sp>
+        <p:nvSpPr>
+          <p:cNvPr id="69" name="Rounded Rectangle 68"/>
+          <p:cNvSpPr/>
+          <p:nvPr/>
+        </p:nvSpPr>
+        <p:spPr>
+          <a:xfrm>
+            <a:off x="1741448" y="5414259"/>
+            <a:ext cx="3355800" cy="962472"/>
+          </a:xfrm>
+          <a:prstGeom prst="roundRect">
+            <a:avLst/>
+          </a:prstGeom>
+          <a:solidFill>
+            <a:schemeClr val="bg1"/>
+          </a:solidFill>
+          <a:ln>
+            <a:solidFill>
+              <a:schemeClr val="tx1"/>
+            </a:solidFill>
+          </a:ln>
+          <a:effectLst/>
+        </p:spPr>
+        <p:style>
+          <a:lnRef idx="1">
+            <a:schemeClr val="accent1"/>
+          </a:lnRef>
+          <a:fillRef idx="3">
+            <a:schemeClr val="accent1"/>
+          </a:fillRef>
+          <a:effectRef idx="2">
+            <a:schemeClr val="accent1"/>
+          </a:effectRef>
+          <a:fontRef idx="minor">
+            <a:schemeClr val="lt1"/>
+          </a:fontRef>
+        </p:style>
+        <p:txBody>
+          <a:bodyPr rtlCol="0" anchor="ctr"/>
+          <a:lstStyle/>
+          <a:p>
+            <a:pPr algn="ctr"/>
             <a:r>
               <a:rPr lang="en-US" sz="1400" dirty="0" smtClean="0">
                 <a:solidFill>
                   <a:schemeClr val="tx1"/>
                 </a:solidFill>
               </a:rPr>
-              <a:t>notification page</a:t>
-            </a:r>
-            <a:endParaRPr lang="en-US" sz="1400" dirty="0">
-              <a:solidFill>
-                <a:schemeClr val="tx1"/>
-              </a:solidFill>
-            </a:endParaRPr>
-          </a:p>
-        </p:txBody>
-      </p:sp>
-      <p:sp>
-        <p:nvSpPr>
-          <p:cNvPr id="67" name="Oval 66"/>
-          <p:cNvSpPr/>
-          <p:nvPr/>
-        </p:nvSpPr>
-        <p:spPr>
-          <a:xfrm>
-            <a:off x="3127467" y="6887569"/>
-            <a:ext cx="590939" cy="590939"/>
-          </a:xfrm>
-          <a:prstGeom prst="ellipse">
-            <a:avLst/>
-          </a:prstGeom>
-          <a:solidFill>
-            <a:schemeClr val="bg1"/>
-          </a:solidFill>
-          <a:ln>
-            <a:solidFill>
-              <a:schemeClr val="tx1"/>
-            </a:solidFill>
-          </a:ln>
-          <a:effectLst/>
-        </p:spPr>
-        <p:style>
-          <a:lnRef idx="1">
-            <a:schemeClr val="accent1"/>
-          </a:lnRef>
-          <a:fillRef idx="3">
-            <a:schemeClr val="accent1"/>
-          </a:fillRef>
-          <a:effectRef idx="2">
-            <a:schemeClr val="accent1"/>
-          </a:effectRef>
-          <a:fontRef idx="minor">
-            <a:schemeClr val="lt1"/>
-          </a:fontRef>
-        </p:style>
-        <p:txBody>
-          <a:bodyPr rtlCol="0" anchor="ctr"/>
-          <a:lstStyle/>
-          <a:p>
-            <a:pPr algn="ctr"/>
-            <a:endParaRPr lang="en-US"/>
-          </a:p>
-        </p:txBody>
-      </p:sp>
-      <p:sp>
-        <p:nvSpPr>
-          <p:cNvPr id="68" name="Oval 67"/>
-          <p:cNvSpPr/>
-          <p:nvPr/>
-        </p:nvSpPr>
-        <p:spPr>
-          <a:xfrm>
-            <a:off x="3261261" y="7014718"/>
-            <a:ext cx="315402" cy="315402"/>
-          </a:xfrm>
-          <a:prstGeom prst="ellipse">
-            <a:avLst/>
-          </a:prstGeom>
-          <a:solidFill>
-            <a:schemeClr val="tx1"/>
-          </a:solidFill>
-          <a:ln>
-            <a:noFill/>
-          </a:ln>
-          <a:effectLst/>
-        </p:spPr>
-        <p:style>
-          <a:lnRef idx="1">
-            <a:schemeClr val="accent1"/>
-          </a:lnRef>
-          <a:fillRef idx="3">
-            <a:schemeClr val="accent1"/>
-          </a:fillRef>
-          <a:effectRef idx="2">
-            <a:schemeClr val="accent1"/>
-          </a:effectRef>
-          <a:fontRef idx="minor">
-            <a:schemeClr val="lt1"/>
-          </a:fontRef>
-        </p:style>
-        <p:txBody>
-          <a:bodyPr rtlCol="0" anchor="ctr"/>
-          <a:lstStyle/>
-          <a:p>
-            <a:pPr algn="ctr"/>
-            <a:endParaRPr lang="en-US"/>
-          </a:p>
-        </p:txBody>
-      </p:sp>
-      <p:sp>
-        <p:nvSpPr>
-          <p:cNvPr id="69" name="Rounded Rectangle 68"/>
-          <p:cNvSpPr/>
-          <p:nvPr/>
-        </p:nvSpPr>
-        <p:spPr>
-          <a:xfrm>
-            <a:off x="1741448" y="5414259"/>
-            <a:ext cx="3355800" cy="962472"/>
-          </a:xfrm>
-          <a:prstGeom prst="roundRect">
-            <a:avLst/>
-          </a:prstGeom>
-          <a:solidFill>
-            <a:schemeClr val="bg1"/>
-          </a:solidFill>
-          <a:ln>
-            <a:solidFill>
-              <a:schemeClr val="tx1"/>
-            </a:solidFill>
-          </a:ln>
-          <a:effectLst/>
-        </p:spPr>
-        <p:style>
-          <a:lnRef idx="1">
-            <a:schemeClr val="accent1"/>
-          </a:lnRef>
-          <a:fillRef idx="3">
-            <a:schemeClr val="accent1"/>
-          </a:fillRef>
-          <a:effectRef idx="2">
-            <a:schemeClr val="accent1"/>
-          </a:effectRef>
-          <a:fontRef idx="minor">
-            <a:schemeClr val="lt1"/>
-          </a:fontRef>
-        </p:style>
-        <p:txBody>
-          <a:bodyPr rtlCol="0" anchor="ctr"/>
-          <a:lstStyle/>
-          <a:p>
-            <a:pPr algn="ctr"/>
-            <a:r>
-              <a:rPr lang="en-US" sz="1400" dirty="0" smtClean="0">
-                <a:solidFill>
-                  <a:schemeClr val="tx1"/>
-                </a:solidFill>
-              </a:rPr>
-              <a:t>Display list of </a:t>
-            </a:r>
-            <a:r>
-              <a:rPr lang="en-US" sz="1400" dirty="0" smtClean="0">
-                <a:solidFill>
-                  <a:schemeClr val="tx1"/>
-                </a:solidFill>
-              </a:rPr>
-              <a:t>user’s new activities</a:t>
+              <a:t>Display list of user’s new activities</a:t>
             </a:r>
             <a:endParaRPr lang="en-US" sz="1400" dirty="0">
               <a:solidFill>
@@ -35347,23 +35349,7 @@
                   <a:schemeClr val="tx1"/>
                 </a:solidFill>
               </a:rPr>
-              <a:t>checks </a:t>
-            </a:r>
-            <a:r>
-              <a:rPr lang="en-US" sz="1400" dirty="0" smtClean="0">
-                <a:solidFill>
-                  <a:schemeClr val="tx1"/>
-                </a:solidFill>
-              </a:rPr>
-              <a:t>new activity that has happened with </a:t>
-            </a:r>
-            <a:r>
-              <a:rPr lang="en-US" sz="1400" dirty="0" smtClean="0">
-                <a:solidFill>
-                  <a:schemeClr val="tx1"/>
-                </a:solidFill>
-              </a:rPr>
-              <a:t>the </a:t>
+              <a:t>checks new activity that has happened with the </a:t>
             </a:r>
             <a:r>
               <a:rPr lang="en-US" sz="1400" dirty="0">
@@ -35596,15 +35582,7 @@
                   <a:schemeClr val="tx1"/>
                 </a:solidFill>
               </a:rPr>
-              <a:t>Select an activity lin</a:t>
-            </a:r>
-            <a:r>
-              <a:rPr lang="en-US" sz="1400" dirty="0" smtClean="0">
-                <a:solidFill>
-                  <a:schemeClr val="tx1"/>
-                </a:solidFill>
-              </a:rPr>
-              <a:t>k in the notification page.</a:t>
+              <a:t>Select an activity link in the notification page.</a:t>
             </a:r>
             <a:endParaRPr lang="en-US" sz="1400" dirty="0">
               <a:solidFill>
@@ -35843,15 +35821,7 @@
                   <a:schemeClr val="tx1"/>
                 </a:solidFill>
               </a:rPr>
-              <a:t>checks </a:t>
-            </a:r>
-            <a:r>
-              <a:rPr lang="en-US" sz="1400" dirty="0" smtClean="0">
-                <a:solidFill>
-                  <a:schemeClr val="tx1"/>
-                </a:solidFill>
-              </a:rPr>
-              <a:t>type of the new activity</a:t>
+              <a:t>checks type of the new activity</a:t>
             </a:r>
             <a:endParaRPr lang="en-US" sz="1400" dirty="0">
               <a:solidFill>
@@ -37458,7 +37428,7 @@
                   <a:schemeClr val="tx1"/>
                 </a:solidFill>
               </a:rPr>
-              <a:t>Save new email into database</a:t>
+              <a:t>Update user’s information in the database</a:t>
             </a:r>
             <a:endParaRPr lang="en-US" sz="1400" dirty="0">
               <a:solidFill>
@@ -41799,15 +41769,13 @@
       <p:cxnSp>
         <p:nvCxnSpPr>
           <p:cNvPr id="26" name="Straight Connector 25"/>
-          <p:cNvCxnSpPr>
-            <a:endCxn id="15" idx="2"/>
-          </p:cNvCxnSpPr>
+          <p:cNvCxnSpPr/>
           <p:nvPr/>
         </p:nvCxnSpPr>
         <p:spPr>
-          <a:xfrm flipH="1" flipV="1">
-            <a:off x="5222563" y="3983019"/>
-            <a:ext cx="5743" cy="4101975"/>
+          <a:xfrm flipV="1">
+            <a:off x="5222563" y="1223120"/>
+            <a:ext cx="0" cy="2215030"/>
           </a:xfrm>
           <a:prstGeom prst="line">
             <a:avLst/>
@@ -41841,9 +41809,9 @@
           <p:nvPr/>
         </p:nvCxnSpPr>
         <p:spPr>
-          <a:xfrm flipH="1">
-            <a:off x="3383148" y="8084994"/>
-            <a:ext cx="1839415" cy="0"/>
+          <a:xfrm flipH="1" flipV="1">
+            <a:off x="3746515" y="1216703"/>
+            <a:ext cx="1476048" cy="6417"/>
           </a:xfrm>
           <a:prstGeom prst="straightConnector1">
             <a:avLst/>
